--- a/Freelancing/Freelance Session 1 - Upwork.pptx
+++ b/Freelancing/Freelance Session 1 - Upwork.pptx
@@ -11534,7 +11534,15 @@
           </a:pPr>
           <a:r>
             <a:rPr lang="en-US" b="0" i="0" dirty="0"/>
-            <a:t>When you start, you need to get into projects with fewest bidders</a:t>
+            <a:t>When you start, you need to get into </a:t>
+          </a:r>
+          <a:r>
+            <a:rPr lang="en-US" b="1" i="0" dirty="0"/>
+            <a:t>3-5 small </a:t>
+          </a:r>
+          <a:r>
+            <a:rPr lang="en-US" b="0" i="0" dirty="0"/>
+            <a:t>projects with fewest bidders</a:t>
           </a:r>
         </a:p>
       </dgm:t>
@@ -11574,7 +11582,7 @@
           </a:pPr>
           <a:r>
             <a:rPr lang="en-US" b="0" i="0" dirty="0"/>
-            <a:t>to have good ratings on your Upwork profile.</a:t>
+            <a:t>to have good ratings on your Upwork profile</a:t>
           </a:r>
         </a:p>
       </dgm:t>
@@ -11654,7 +11662,7 @@
           </a:pPr>
           <a:r>
             <a:rPr lang="en-US" b="0" i="0" dirty="0"/>
-            <a:t>to build your portfolio</a:t>
+            <a:t>to build your portfolio and reputation</a:t>
           </a:r>
         </a:p>
       </dgm:t>
@@ -11694,23 +11702,7 @@
           </a:pPr>
           <a:r>
             <a:rPr lang="en-US" b="0" i="0" dirty="0"/>
-            <a:t>Write a good cover letter and include your portfolio website linked to </a:t>
-          </a:r>
-          <a:r>
-            <a:rPr lang="en-US" b="0" i="0" dirty="0" err="1"/>
-            <a:t>upwork</a:t>
-          </a:r>
-          <a:r>
-            <a:rPr lang="en-US" b="0" i="0" dirty="0"/>
-            <a:t>, when applying to an </a:t>
-          </a:r>
-          <a:r>
-            <a:rPr lang="en-US" b="0" i="0" dirty="0" err="1"/>
-            <a:t>upwork</a:t>
-          </a:r>
-          <a:r>
-            <a:rPr lang="en-US" b="0" i="0" dirty="0"/>
-            <a:t> job</a:t>
+            <a:t>Write a good cover letter and include your portfolio website linked to Upwork, when applying to an Upwork job</a:t>
           </a:r>
         </a:p>
       </dgm:t>
@@ -12725,47 +12717,6 @@
         </a:p>
       </dgm:t>
     </dgm:pt>
-    <dgm:pt modelId="{A9F6B7E1-3FF7-4CFB-931C-DD4DDD6A600A}">
-      <dgm:prSet/>
-      <dgm:spPr/>
-      <dgm:t>
-        <a:bodyPr/>
-        <a:lstStyle/>
-        <a:p>
-          <a:pPr>
-            <a:buFont typeface="+mj-lt"/>
-            <a:buAutoNum type="arabicPeriod"/>
-          </a:pPr>
-          <a:r>
-            <a:rPr lang="en-US" b="1" i="0" dirty="0"/>
-            <a:t>Scope and Time Management:</a:t>
-          </a:r>
-          <a:endParaRPr lang="en-US" b="0" i="0" dirty="0"/>
-        </a:p>
-      </dgm:t>
-    </dgm:pt>
-    <dgm:pt modelId="{35C200E7-E961-4CA6-8DD3-238D29E80314}" type="parTrans" cxnId="{0C5C2610-4098-478B-966B-8F062815432E}">
-      <dgm:prSet/>
-      <dgm:spPr/>
-      <dgm:t>
-        <a:bodyPr/>
-        <a:lstStyle/>
-        <a:p>
-          <a:endParaRPr lang="fr-FR"/>
-        </a:p>
-      </dgm:t>
-    </dgm:pt>
-    <dgm:pt modelId="{C1A2E6A0-AE09-4931-AFDE-B19F4E20CD97}" type="sibTrans" cxnId="{0C5C2610-4098-478B-966B-8F062815432E}">
-      <dgm:prSet/>
-      <dgm:spPr/>
-      <dgm:t>
-        <a:bodyPr/>
-        <a:lstStyle/>
-        <a:p>
-          <a:endParaRPr lang="fr-FR"/>
-        </a:p>
-      </dgm:t>
-    </dgm:pt>
     <dgm:pt modelId="{EDF7F670-4FE3-4A23-A747-1CC228E732BD}">
       <dgm:prSet/>
       <dgm:spPr/>
@@ -12900,12 +12851,8 @@
             <a:buAutoNum type="arabicPeriod"/>
           </a:pPr>
           <a:r>
-            <a:rPr lang="en-US" b="0" i="0"/>
-            <a:t> </a:t>
-          </a:r>
-          <a:r>
             <a:rPr lang="en-US" b="0" i="0" dirty="0"/>
-            <a:t>Maintain open communication with the client to keep them informed.</a:t>
+            <a:t> Maintain open communication with the client to keep them informed.</a:t>
           </a:r>
         </a:p>
       </dgm:t>
@@ -12945,7 +12892,15 @@
           </a:pPr>
           <a:r>
             <a:rPr lang="en-US" b="0" i="0" dirty="0"/>
-            <a:t>Test your code thoroughly and document it, including a README file.</a:t>
+            <a:t>Test your code thoroughly and document it, including a </a:t>
+          </a:r>
+          <a:r>
+            <a:rPr lang="en-US" b="1" i="0" dirty="0"/>
+            <a:t>README</a:t>
+          </a:r>
+          <a:r>
+            <a:rPr lang="en-US" b="0" i="0" dirty="0"/>
+            <a:t> file.</a:t>
           </a:r>
         </a:p>
       </dgm:t>
@@ -12972,7 +12927,7 @@
         </a:p>
       </dgm:t>
     </dgm:pt>
-    <dgm:pt modelId="{91FA3A77-7016-4259-90CC-D9A434F04AFF}">
+    <dgm:pt modelId="{0480B70F-EECA-462E-9DCD-1B249309669D}">
       <dgm:prSet/>
       <dgm:spPr/>
       <dgm:t>
@@ -12985,51 +12940,15 @@
           </a:pPr>
           <a:r>
             <a:rPr lang="en-US" b="0" i="0" dirty="0"/>
-            <a:t>Manage scope creep to prioritize tasks </a:t>
+            <a:t>Provide all necessary files and </a:t>
           </a:r>
-        </a:p>
-      </dgm:t>
-    </dgm:pt>
-    <dgm:pt modelId="{A1F4FA63-0679-429E-B619-1D9497119279}" type="parTrans" cxnId="{AE69FFD1-C253-4899-80A6-39CE29D6E7B9}">
-      <dgm:prSet/>
-      <dgm:spPr/>
-      <dgm:t>
-        <a:bodyPr/>
-        <a:lstStyle/>
-        <a:p>
-          <a:endParaRPr lang="fr-FR"/>
-        </a:p>
-      </dgm:t>
-    </dgm:pt>
-    <dgm:pt modelId="{4F593FD3-D6F2-470E-B971-C32AB2076DA7}" type="sibTrans" cxnId="{AE69FFD1-C253-4899-80A6-39CE29D6E7B9}">
-      <dgm:prSet/>
-      <dgm:spPr/>
-      <dgm:t>
-        <a:bodyPr/>
-        <a:lstStyle/>
-        <a:p>
-          <a:endParaRPr lang="fr-FR"/>
-        </a:p>
-      </dgm:t>
-    </dgm:pt>
-    <dgm:pt modelId="{0480B70F-EECA-462E-9DCD-1B249309669D}">
-      <dgm:prSet/>
-      <dgm:spPr/>
-      <dgm:t>
-        <a:bodyPr/>
-        <a:lstStyle/>
-        <a:p>
-          <a:pPr>
-            <a:buFont typeface="+mj-lt"/>
-            <a:buAutoNum type="arabicPeriod"/>
-          </a:pPr>
           <a:r>
-            <a:rPr lang="en-US" b="0" i="0"/>
-            <a:t>Provide </a:t>
+            <a:rPr lang="en-US" b="1" i="0" dirty="0"/>
+            <a:t>documentation</a:t>
           </a:r>
           <a:r>
             <a:rPr lang="en-US" b="0" i="0" dirty="0"/>
-            <a:t>all necessary files and documentation to the client for project maintenance.</a:t>
+            <a:t> to the client for project maintenance.</a:t>
           </a:r>
         </a:p>
       </dgm:t>
@@ -13068,12 +12987,24 @@
             <a:buAutoNum type="arabicPeriod"/>
           </a:pPr>
           <a:r>
-            <a:rPr lang="en-US" b="0" i="0"/>
-            <a:t>Offer </a:t>
+            <a:rPr lang="en-US" b="0" i="0" dirty="0"/>
+            <a:t>Offer post-launch support for a </a:t>
+          </a:r>
+          <a:r>
+            <a:rPr lang="en-US" b="1" i="0" dirty="0"/>
+            <a:t>specified</a:t>
           </a:r>
           <a:r>
             <a:rPr lang="en-US" b="0" i="0" dirty="0"/>
-            <a:t>post-launch support for a specified period.</a:t>
+            <a:t> </a:t>
+          </a:r>
+          <a:r>
+            <a:rPr lang="en-US" b="1" i="0" dirty="0"/>
+            <a:t>period; 1-3 Months</a:t>
+          </a:r>
+          <a:r>
+            <a:rPr lang="en-US" b="0" i="0" dirty="0"/>
+            <a:t>.</a:t>
           </a:r>
         </a:p>
       </dgm:t>
@@ -13110,7 +13041,7 @@
       <dgm:spPr/>
     </dgm:pt>
     <dgm:pt modelId="{036972BC-A6E2-4B60-80D9-94B8CFA7B554}" type="pres">
-      <dgm:prSet presAssocID="{F41ECDA6-B83D-4773-A2D3-0107F9189F1E}" presName="parentText" presStyleLbl="node1" presStyleIdx="0" presStyleCnt="6">
+      <dgm:prSet presAssocID="{F41ECDA6-B83D-4773-A2D3-0107F9189F1E}" presName="parentText" presStyleLbl="node1" presStyleIdx="0" presStyleCnt="5">
         <dgm:presLayoutVars>
           <dgm:chMax val="0"/>
           <dgm:bulletEnabled val="1"/>
@@ -13119,7 +13050,7 @@
       <dgm:spPr/>
     </dgm:pt>
     <dgm:pt modelId="{D801244C-39B0-41FF-8E48-BCF45A382810}" type="pres">
-      <dgm:prSet presAssocID="{F41ECDA6-B83D-4773-A2D3-0107F9189F1E}" presName="childText" presStyleLbl="revTx" presStyleIdx="0" presStyleCnt="6">
+      <dgm:prSet presAssocID="{F41ECDA6-B83D-4773-A2D3-0107F9189F1E}" presName="childText" presStyleLbl="revTx" presStyleIdx="0" presStyleCnt="5">
         <dgm:presLayoutVars>
           <dgm:bulletEnabled val="1"/>
         </dgm:presLayoutVars>
@@ -13127,7 +13058,7 @@
       <dgm:spPr/>
     </dgm:pt>
     <dgm:pt modelId="{CF2479F2-0DB3-4084-9102-3BD7481C0296}" type="pres">
-      <dgm:prSet presAssocID="{6152AB4E-9CD7-4F10-A31A-83D2803DB4ED}" presName="parentText" presStyleLbl="node1" presStyleIdx="1" presStyleCnt="6">
+      <dgm:prSet presAssocID="{6152AB4E-9CD7-4F10-A31A-83D2803DB4ED}" presName="parentText" presStyleLbl="node1" presStyleIdx="1" presStyleCnt="5">
         <dgm:presLayoutVars>
           <dgm:chMax val="0"/>
           <dgm:bulletEnabled val="1"/>
@@ -13136,7 +13067,7 @@
       <dgm:spPr/>
     </dgm:pt>
     <dgm:pt modelId="{3200907E-5E9A-4E0B-AB50-C9145AB7BAAA}" type="pres">
-      <dgm:prSet presAssocID="{6152AB4E-9CD7-4F10-A31A-83D2803DB4ED}" presName="childText" presStyleLbl="revTx" presStyleIdx="1" presStyleCnt="6">
+      <dgm:prSet presAssocID="{6152AB4E-9CD7-4F10-A31A-83D2803DB4ED}" presName="childText" presStyleLbl="revTx" presStyleIdx="1" presStyleCnt="5">
         <dgm:presLayoutVars>
           <dgm:bulletEnabled val="1"/>
         </dgm:presLayoutVars>
@@ -13144,7 +13075,7 @@
       <dgm:spPr/>
     </dgm:pt>
     <dgm:pt modelId="{5B7A6E19-9621-4EB4-B890-6A8F21DE1C90}" type="pres">
-      <dgm:prSet presAssocID="{718C08CB-0B01-4A75-93A9-7BA8F4303FA4}" presName="parentText" presStyleLbl="node1" presStyleIdx="2" presStyleCnt="6">
+      <dgm:prSet presAssocID="{718C08CB-0B01-4A75-93A9-7BA8F4303FA4}" presName="parentText" presStyleLbl="node1" presStyleIdx="2" presStyleCnt="5">
         <dgm:presLayoutVars>
           <dgm:chMax val="0"/>
           <dgm:bulletEnabled val="1"/>
@@ -13153,24 +13084,7 @@
       <dgm:spPr/>
     </dgm:pt>
     <dgm:pt modelId="{2FCFA1AD-CD3C-4CBF-8F66-C283E9976D6F}" type="pres">
-      <dgm:prSet presAssocID="{718C08CB-0B01-4A75-93A9-7BA8F4303FA4}" presName="childText" presStyleLbl="revTx" presStyleIdx="2" presStyleCnt="6">
-        <dgm:presLayoutVars>
-          <dgm:bulletEnabled val="1"/>
-        </dgm:presLayoutVars>
-      </dgm:prSet>
-      <dgm:spPr/>
-    </dgm:pt>
-    <dgm:pt modelId="{A1170CAF-4877-4181-9F5A-8D2C61F78CA6}" type="pres">
-      <dgm:prSet presAssocID="{A9F6B7E1-3FF7-4CFB-931C-DD4DDD6A600A}" presName="parentText" presStyleLbl="node1" presStyleIdx="3" presStyleCnt="6">
-        <dgm:presLayoutVars>
-          <dgm:chMax val="0"/>
-          <dgm:bulletEnabled val="1"/>
-        </dgm:presLayoutVars>
-      </dgm:prSet>
-      <dgm:spPr/>
-    </dgm:pt>
-    <dgm:pt modelId="{DC2465F1-006A-45F2-AA18-48797019BF1B}" type="pres">
-      <dgm:prSet presAssocID="{A9F6B7E1-3FF7-4CFB-931C-DD4DDD6A600A}" presName="childText" presStyleLbl="revTx" presStyleIdx="3" presStyleCnt="6">
+      <dgm:prSet presAssocID="{718C08CB-0B01-4A75-93A9-7BA8F4303FA4}" presName="childText" presStyleLbl="revTx" presStyleIdx="2" presStyleCnt="5">
         <dgm:presLayoutVars>
           <dgm:bulletEnabled val="1"/>
         </dgm:presLayoutVars>
@@ -13178,7 +13092,7 @@
       <dgm:spPr/>
     </dgm:pt>
     <dgm:pt modelId="{76D48775-0F23-4B17-A2DC-01E2A9137647}" type="pres">
-      <dgm:prSet presAssocID="{EDF7F670-4FE3-4A23-A747-1CC228E732BD}" presName="parentText" presStyleLbl="node1" presStyleIdx="4" presStyleCnt="6">
+      <dgm:prSet presAssocID="{EDF7F670-4FE3-4A23-A747-1CC228E732BD}" presName="parentText" presStyleLbl="node1" presStyleIdx="3" presStyleCnt="5">
         <dgm:presLayoutVars>
           <dgm:chMax val="0"/>
           <dgm:bulletEnabled val="1"/>
@@ -13187,7 +13101,7 @@
       <dgm:spPr/>
     </dgm:pt>
     <dgm:pt modelId="{0050DD73-A6F7-4B7B-A310-0CB44440F2D3}" type="pres">
-      <dgm:prSet presAssocID="{EDF7F670-4FE3-4A23-A747-1CC228E732BD}" presName="childText" presStyleLbl="revTx" presStyleIdx="4" presStyleCnt="6">
+      <dgm:prSet presAssocID="{EDF7F670-4FE3-4A23-A747-1CC228E732BD}" presName="childText" presStyleLbl="revTx" presStyleIdx="3" presStyleCnt="5">
         <dgm:presLayoutVars>
           <dgm:bulletEnabled val="1"/>
         </dgm:presLayoutVars>
@@ -13195,7 +13109,7 @@
       <dgm:spPr/>
     </dgm:pt>
     <dgm:pt modelId="{3284F189-FB13-4736-B495-CE086DEC3C01}" type="pres">
-      <dgm:prSet presAssocID="{EB4D82A5-3F01-460F-9C53-9002CB0F35A3}" presName="parentText" presStyleLbl="node1" presStyleIdx="5" presStyleCnt="6">
+      <dgm:prSet presAssocID="{EB4D82A5-3F01-460F-9C53-9002CB0F35A3}" presName="parentText" presStyleLbl="node1" presStyleIdx="4" presStyleCnt="5">
         <dgm:presLayoutVars>
           <dgm:chMax val="0"/>
           <dgm:bulletEnabled val="1"/>
@@ -13204,7 +13118,7 @@
       <dgm:spPr/>
     </dgm:pt>
     <dgm:pt modelId="{9BFAC266-EF0E-4F54-A6F6-CF6BC80332F9}" type="pres">
-      <dgm:prSet presAssocID="{EB4D82A5-3F01-460F-9C53-9002CB0F35A3}" presName="childText" presStyleLbl="revTx" presStyleIdx="5" presStyleCnt="6">
+      <dgm:prSet presAssocID="{EB4D82A5-3F01-460F-9C53-9002CB0F35A3}" presName="childText" presStyleLbl="revTx" presStyleIdx="4" presStyleCnt="5">
         <dgm:presLayoutVars>
           <dgm:bulletEnabled val="1"/>
         </dgm:presLayoutVars>
@@ -13213,24 +13127,20 @@
     </dgm:pt>
   </dgm:ptLst>
   <dgm:cxnLst>
-    <dgm:cxn modelId="{0C5C2610-4098-478B-966B-8F062815432E}" srcId="{480BFB1A-5604-4D44-9784-3B4A05BAD4FE}" destId="{A9F6B7E1-3FF7-4CFB-931C-DD4DDD6A600A}" srcOrd="3" destOrd="0" parTransId="{35C200E7-E961-4CA6-8DD3-238D29E80314}" sibTransId="{C1A2E6A0-AE09-4931-AFDE-B19F4E20CD97}"/>
     <dgm:cxn modelId="{C7C3CE27-5168-46F3-9DE1-DA4D92674A4C}" type="presOf" srcId="{0CCA6E6D-9641-4045-870C-7A2EA10C5A60}" destId="{3200907E-5E9A-4E0B-AB50-C9145AB7BAAA}" srcOrd="0" destOrd="0" presId="urn:microsoft.com/office/officeart/2005/8/layout/vList2"/>
-    <dgm:cxn modelId="{F425C92F-0892-46D6-B16B-884A3A79AFA7}" type="presOf" srcId="{A9F6B7E1-3FF7-4CFB-931C-DD4DDD6A600A}" destId="{A1170CAF-4877-4181-9F5A-8D2C61F78CA6}" srcOrd="0" destOrd="0" presId="urn:microsoft.com/office/officeart/2005/8/layout/vList2"/>
     <dgm:cxn modelId="{AA794762-2F7B-41DE-8F2F-0E0A8EC7748A}" type="presOf" srcId="{F41ECDA6-B83D-4773-A2D3-0107F9189F1E}" destId="{036972BC-A6E2-4B60-80D9-94B8CFA7B554}" srcOrd="0" destOrd="0" presId="urn:microsoft.com/office/officeart/2005/8/layout/vList2"/>
     <dgm:cxn modelId="{85270D48-ABC8-4F98-B0EC-12050764023C}" srcId="{718C08CB-0B01-4A75-93A9-7BA8F4303FA4}" destId="{DF074DA0-95F9-44BE-854F-79D8C21AC636}" srcOrd="0" destOrd="0" parTransId="{F531C517-EC9A-4FA6-9945-A7BE03746D9D}" sibTransId="{C80F6A7D-B9EA-45AE-99E1-1F83057BB316}"/>
-    <dgm:cxn modelId="{904A7272-2F32-4EEE-8ABD-000CC4DAEB67}" srcId="{480BFB1A-5604-4D44-9784-3B4A05BAD4FE}" destId="{EDF7F670-4FE3-4A23-A747-1CC228E732BD}" srcOrd="4" destOrd="0" parTransId="{CA9A9F56-03DD-4664-BBB9-B2CB82F74C82}" sibTransId="{BB156DDA-D58C-4747-B77F-8F53D120F47D}"/>
+    <dgm:cxn modelId="{904A7272-2F32-4EEE-8ABD-000CC4DAEB67}" srcId="{480BFB1A-5604-4D44-9784-3B4A05BAD4FE}" destId="{EDF7F670-4FE3-4A23-A747-1CC228E732BD}" srcOrd="3" destOrd="0" parTransId="{CA9A9F56-03DD-4664-BBB9-B2CB82F74C82}" sibTransId="{BB156DDA-D58C-4747-B77F-8F53D120F47D}"/>
     <dgm:cxn modelId="{A2583B74-BD8F-4D82-A1FC-E14828700E1A}" type="presOf" srcId="{718C08CB-0B01-4A75-93A9-7BA8F4303FA4}" destId="{5B7A6E19-9621-4EB4-B890-6A8F21DE1C90}" srcOrd="0" destOrd="0" presId="urn:microsoft.com/office/officeart/2005/8/layout/vList2"/>
     <dgm:cxn modelId="{42695D80-A039-4D2D-9E2A-3845546D573F}" type="presOf" srcId="{0480B70F-EECA-462E-9DCD-1B249309669D}" destId="{0050DD73-A6F7-4B7B-A310-0CB44440F2D3}" srcOrd="0" destOrd="0" presId="urn:microsoft.com/office/officeart/2005/8/layout/vList2"/>
     <dgm:cxn modelId="{4FCD0388-DFF5-44EC-8DCA-8FC4BE287BBF}" srcId="{F41ECDA6-B83D-4773-A2D3-0107F9189F1E}" destId="{EC1BACFB-B651-4D05-8F74-001F4E27B735}" srcOrd="0" destOrd="0" parTransId="{AE3A4D7D-9502-4C4F-81C7-73D82A47855C}" sibTransId="{2A2E8B74-B3D3-4CA9-8D06-5C26E2AD079C}"/>
     <dgm:cxn modelId="{939AD997-E83E-4B35-9FFA-2CDA6683265E}" srcId="{480BFB1A-5604-4D44-9784-3B4A05BAD4FE}" destId="{F41ECDA6-B83D-4773-A2D3-0107F9189F1E}" srcOrd="0" destOrd="0" parTransId="{F09A42DC-D744-4C9D-BC84-1119C762666C}" sibTransId="{411828C7-AAFE-4FC8-9313-E94507A853F2}"/>
-    <dgm:cxn modelId="{FA4FFC97-0DCD-4723-BB08-8C2BE09CE9EA}" srcId="{480BFB1A-5604-4D44-9784-3B4A05BAD4FE}" destId="{EB4D82A5-3F01-460F-9C53-9002CB0F35A3}" srcOrd="5" destOrd="0" parTransId="{FF74EA0C-F2E8-46F2-B9FA-35F417257FFF}" sibTransId="{1E8A17D0-0217-45D1-9F23-35BFAE3B839A}"/>
-    <dgm:cxn modelId="{1847979C-65D7-43F3-A3E0-46DD2A817740}" type="presOf" srcId="{91FA3A77-7016-4259-90CC-D9A434F04AFF}" destId="{DC2465F1-006A-45F2-AA18-48797019BF1B}" srcOrd="0" destOrd="0" presId="urn:microsoft.com/office/officeart/2005/8/layout/vList2"/>
+    <dgm:cxn modelId="{FA4FFC97-0DCD-4723-BB08-8C2BE09CE9EA}" srcId="{480BFB1A-5604-4D44-9784-3B4A05BAD4FE}" destId="{EB4D82A5-3F01-460F-9C53-9002CB0F35A3}" srcOrd="4" destOrd="0" parTransId="{FF74EA0C-F2E8-46F2-B9FA-35F417257FFF}" sibTransId="{1E8A17D0-0217-45D1-9F23-35BFAE3B839A}"/>
     <dgm:cxn modelId="{0FD0D1A3-F0B9-44D6-827E-74D021EA2E48}" srcId="{6152AB4E-9CD7-4F10-A31A-83D2803DB4ED}" destId="{0CCA6E6D-9641-4045-870C-7A2EA10C5A60}" srcOrd="0" destOrd="0" parTransId="{D99BDF9B-9E7D-467E-9770-5AFDBFF5319D}" sibTransId="{E2F39850-6F37-4B0A-AD86-92259AD86471}"/>
     <dgm:cxn modelId="{4B70A2A8-98E8-443E-9410-589D27B1F48B}" type="presOf" srcId="{EC1BACFB-B651-4D05-8F74-001F4E27B735}" destId="{D801244C-39B0-41FF-8E48-BCF45A382810}" srcOrd="0" destOrd="0" presId="urn:microsoft.com/office/officeart/2005/8/layout/vList2"/>
     <dgm:cxn modelId="{CF8C74B1-D478-4888-A784-E86E72EE08FC}" type="presOf" srcId="{480BFB1A-5604-4D44-9784-3B4A05BAD4FE}" destId="{CE27D942-1C2B-45A6-B11D-102CB7AC984B}" srcOrd="0" destOrd="0" presId="urn:microsoft.com/office/officeart/2005/8/layout/vList2"/>
     <dgm:cxn modelId="{01BE41BC-ED03-427F-B684-1D756867D599}" srcId="{EDF7F670-4FE3-4A23-A747-1CC228E732BD}" destId="{0480B70F-EECA-462E-9DCD-1B249309669D}" srcOrd="0" destOrd="0" parTransId="{3855E915-3E0E-4D35-83A3-DD4540C365DB}" sibTransId="{43425C79-481A-4F98-BA65-F0942EC7A109}"/>
     <dgm:cxn modelId="{C1B108C7-1410-4820-B15B-98FA6E3C651E}" type="presOf" srcId="{6152AB4E-9CD7-4F10-A31A-83D2803DB4ED}" destId="{CF2479F2-0DB3-4084-9102-3BD7481C0296}" srcOrd="0" destOrd="0" presId="urn:microsoft.com/office/officeart/2005/8/layout/vList2"/>
-    <dgm:cxn modelId="{AE69FFD1-C253-4899-80A6-39CE29D6E7B9}" srcId="{A9F6B7E1-3FF7-4CFB-931C-DD4DDD6A600A}" destId="{91FA3A77-7016-4259-90CC-D9A434F04AFF}" srcOrd="0" destOrd="0" parTransId="{A1F4FA63-0679-429E-B619-1D9497119279}" sibTransId="{4F593FD3-D6F2-470E-B971-C32AB2076DA7}"/>
     <dgm:cxn modelId="{987220D8-BB96-4A26-A90E-E3E286933957}" srcId="{480BFB1A-5604-4D44-9784-3B4A05BAD4FE}" destId="{6152AB4E-9CD7-4F10-A31A-83D2803DB4ED}" srcOrd="1" destOrd="0" parTransId="{6D55D6D2-6393-4295-BDD1-70C9768E1EB5}" sibTransId="{1F05C115-8249-4B02-A904-1039124314FB}"/>
     <dgm:cxn modelId="{610B78DB-AD28-40C4-BD11-62BBB70D2428}" type="presOf" srcId="{860806EB-9600-40E1-B295-AC8DE3545FBC}" destId="{9BFAC266-EF0E-4F54-A6F6-CF6BC80332F9}" srcOrd="0" destOrd="0" presId="urn:microsoft.com/office/officeart/2005/8/layout/vList2"/>
     <dgm:cxn modelId="{833288DC-F1A9-47AC-AE09-D21BD210D541}" type="presOf" srcId="{EB4D82A5-3F01-460F-9C53-9002CB0F35A3}" destId="{3284F189-FB13-4736-B495-CE086DEC3C01}" srcOrd="0" destOrd="0" presId="urn:microsoft.com/office/officeart/2005/8/layout/vList2"/>
@@ -13244,12 +13154,10 @@
     <dgm:cxn modelId="{85B3E746-172F-4575-84B4-200CA74A97E8}" type="presParOf" srcId="{CE27D942-1C2B-45A6-B11D-102CB7AC984B}" destId="{3200907E-5E9A-4E0B-AB50-C9145AB7BAAA}" srcOrd="3" destOrd="0" presId="urn:microsoft.com/office/officeart/2005/8/layout/vList2"/>
     <dgm:cxn modelId="{BC5DEDDB-7F6F-487C-BED5-F9BF0C42CFDF}" type="presParOf" srcId="{CE27D942-1C2B-45A6-B11D-102CB7AC984B}" destId="{5B7A6E19-9621-4EB4-B890-6A8F21DE1C90}" srcOrd="4" destOrd="0" presId="urn:microsoft.com/office/officeart/2005/8/layout/vList2"/>
     <dgm:cxn modelId="{0B639EAE-7DD2-4390-AE1C-DD26C407CF8B}" type="presParOf" srcId="{CE27D942-1C2B-45A6-B11D-102CB7AC984B}" destId="{2FCFA1AD-CD3C-4CBF-8F66-C283E9976D6F}" srcOrd="5" destOrd="0" presId="urn:microsoft.com/office/officeart/2005/8/layout/vList2"/>
-    <dgm:cxn modelId="{F38AB2AB-47A5-4645-B6B0-A24B667E63C8}" type="presParOf" srcId="{CE27D942-1C2B-45A6-B11D-102CB7AC984B}" destId="{A1170CAF-4877-4181-9F5A-8D2C61F78CA6}" srcOrd="6" destOrd="0" presId="urn:microsoft.com/office/officeart/2005/8/layout/vList2"/>
-    <dgm:cxn modelId="{95F4A10D-E060-422C-89A7-8C2B4570C484}" type="presParOf" srcId="{CE27D942-1C2B-45A6-B11D-102CB7AC984B}" destId="{DC2465F1-006A-45F2-AA18-48797019BF1B}" srcOrd="7" destOrd="0" presId="urn:microsoft.com/office/officeart/2005/8/layout/vList2"/>
-    <dgm:cxn modelId="{043229B2-CD16-4DC9-BCD6-E95716285621}" type="presParOf" srcId="{CE27D942-1C2B-45A6-B11D-102CB7AC984B}" destId="{76D48775-0F23-4B17-A2DC-01E2A9137647}" srcOrd="8" destOrd="0" presId="urn:microsoft.com/office/officeart/2005/8/layout/vList2"/>
-    <dgm:cxn modelId="{EEE348DB-9F18-4F8B-BCDA-0C997AB80D95}" type="presParOf" srcId="{CE27D942-1C2B-45A6-B11D-102CB7AC984B}" destId="{0050DD73-A6F7-4B7B-A310-0CB44440F2D3}" srcOrd="9" destOrd="0" presId="urn:microsoft.com/office/officeart/2005/8/layout/vList2"/>
-    <dgm:cxn modelId="{585791EE-5DE5-4127-A189-8A2976CEDA98}" type="presParOf" srcId="{CE27D942-1C2B-45A6-B11D-102CB7AC984B}" destId="{3284F189-FB13-4736-B495-CE086DEC3C01}" srcOrd="10" destOrd="0" presId="urn:microsoft.com/office/officeart/2005/8/layout/vList2"/>
-    <dgm:cxn modelId="{746E1B13-EAAE-4808-83EC-8FB57F381921}" type="presParOf" srcId="{CE27D942-1C2B-45A6-B11D-102CB7AC984B}" destId="{9BFAC266-EF0E-4F54-A6F6-CF6BC80332F9}" srcOrd="11" destOrd="0" presId="urn:microsoft.com/office/officeart/2005/8/layout/vList2"/>
+    <dgm:cxn modelId="{043229B2-CD16-4DC9-BCD6-E95716285621}" type="presParOf" srcId="{CE27D942-1C2B-45A6-B11D-102CB7AC984B}" destId="{76D48775-0F23-4B17-A2DC-01E2A9137647}" srcOrd="6" destOrd="0" presId="urn:microsoft.com/office/officeart/2005/8/layout/vList2"/>
+    <dgm:cxn modelId="{EEE348DB-9F18-4F8B-BCDA-0C997AB80D95}" type="presParOf" srcId="{CE27D942-1C2B-45A6-B11D-102CB7AC984B}" destId="{0050DD73-A6F7-4B7B-A310-0CB44440F2D3}" srcOrd="7" destOrd="0" presId="urn:microsoft.com/office/officeart/2005/8/layout/vList2"/>
+    <dgm:cxn modelId="{585791EE-5DE5-4127-A189-8A2976CEDA98}" type="presParOf" srcId="{CE27D942-1C2B-45A6-B11D-102CB7AC984B}" destId="{3284F189-FB13-4736-B495-CE086DEC3C01}" srcOrd="8" destOrd="0" presId="urn:microsoft.com/office/officeart/2005/8/layout/vList2"/>
+    <dgm:cxn modelId="{746E1B13-EAAE-4808-83EC-8FB57F381921}" type="presParOf" srcId="{CE27D942-1C2B-45A6-B11D-102CB7AC984B}" destId="{9BFAC266-EF0E-4F54-A6F6-CF6BC80332F9}" srcOrd="9" destOrd="0" presId="urn:microsoft.com/office/officeart/2005/8/layout/vList2"/>
   </dgm:cxnLst>
   <dgm:bg/>
   <dgm:whole/>
@@ -16403,6 +16311,80 @@
         </a:p>
       </dgm:t>
     </dgm:pt>
+    <dgm:pt modelId="{689AC60E-6C01-455E-82EF-EEC6B3B724EB}">
+      <dgm:prSet/>
+      <dgm:spPr/>
+      <dgm:t>
+        <a:bodyPr/>
+        <a:lstStyle/>
+        <a:p>
+          <a:r>
+            <a:rPr lang="en-GB" dirty="0"/>
+            <a:t>Reply client’s queries in less than 24h on Upwork</a:t>
+          </a:r>
+          <a:endParaRPr lang="fr-FR" dirty="0"/>
+        </a:p>
+      </dgm:t>
+    </dgm:pt>
+    <dgm:pt modelId="{08A8F9B4-08A1-4835-B435-010592DF65E5}" type="parTrans" cxnId="{B5D6C11B-AD5F-43D0-BA90-91A249F9FD35}">
+      <dgm:prSet/>
+      <dgm:spPr/>
+      <dgm:t>
+        <a:bodyPr/>
+        <a:lstStyle/>
+        <a:p>
+          <a:endParaRPr lang="fr-FR"/>
+        </a:p>
+      </dgm:t>
+    </dgm:pt>
+    <dgm:pt modelId="{7B8BE08E-4AE3-4F94-8685-09B8621EB4C4}" type="sibTrans" cxnId="{B5D6C11B-AD5F-43D0-BA90-91A249F9FD35}">
+      <dgm:prSet/>
+      <dgm:spPr/>
+      <dgm:t>
+        <a:bodyPr/>
+        <a:lstStyle/>
+        <a:p>
+          <a:endParaRPr lang="fr-FR"/>
+        </a:p>
+      </dgm:t>
+    </dgm:pt>
+    <dgm:pt modelId="{8EB6F7AB-7EAE-4AFA-8A91-C8C6F4468D98}">
+      <dgm:prSet/>
+      <dgm:spPr/>
+      <dgm:t>
+        <a:bodyPr/>
+        <a:lstStyle/>
+        <a:p>
+          <a:r>
+            <a:rPr lang="en-GB" dirty="0"/>
+            <a:t>Offer additional services to your client after a project with them</a:t>
+          </a:r>
+          <a:endParaRPr lang="fr-FR" dirty="0"/>
+        </a:p>
+      </dgm:t>
+    </dgm:pt>
+    <dgm:pt modelId="{A1FCD8B8-C2EF-4922-9845-F02983CFC5A1}" type="parTrans" cxnId="{695C3274-5648-4918-A262-88E38F461BB9}">
+      <dgm:prSet/>
+      <dgm:spPr/>
+      <dgm:t>
+        <a:bodyPr/>
+        <a:lstStyle/>
+        <a:p>
+          <a:endParaRPr lang="fr-FR"/>
+        </a:p>
+      </dgm:t>
+    </dgm:pt>
+    <dgm:pt modelId="{6E928D39-3423-4687-B856-74BF8D16EE24}" type="sibTrans" cxnId="{695C3274-5648-4918-A262-88E38F461BB9}">
+      <dgm:prSet/>
+      <dgm:spPr/>
+      <dgm:t>
+        <a:bodyPr/>
+        <a:lstStyle/>
+        <a:p>
+          <a:endParaRPr lang="fr-FR"/>
+        </a:p>
+      </dgm:t>
+    </dgm:pt>
     <dgm:pt modelId="{CE27D942-1C2B-45A6-B11D-102CB7AC984B}" type="pres">
       <dgm:prSet presAssocID="{480BFB1A-5604-4D44-9784-3B4A05BAD4FE}" presName="linear" presStyleCnt="0">
         <dgm:presLayoutVars>
@@ -16413,7 +16395,7 @@
       <dgm:spPr/>
     </dgm:pt>
     <dgm:pt modelId="{97801DC3-E45E-4407-8380-1A527E95FBFB}" type="pres">
-      <dgm:prSet presAssocID="{3F698109-40CA-46C6-B5E2-421899D776D1}" presName="parentText" presStyleLbl="node1" presStyleIdx="0" presStyleCnt="5">
+      <dgm:prSet presAssocID="{3F698109-40CA-46C6-B5E2-421899D776D1}" presName="parentText" presStyleLbl="node1" presStyleIdx="0" presStyleCnt="7">
         <dgm:presLayoutVars>
           <dgm:chMax val="0"/>
           <dgm:bulletEnabled val="1"/>
@@ -16430,7 +16412,7 @@
       <dgm:spPr/>
     </dgm:pt>
     <dgm:pt modelId="{8DAB8565-8E6D-4A5B-9379-7729D0A5812E}" type="pres">
-      <dgm:prSet presAssocID="{148D1234-1FD8-4B1D-8A34-7E20435D2439}" presName="parentText" presStyleLbl="node1" presStyleIdx="1" presStyleCnt="5">
+      <dgm:prSet presAssocID="{148D1234-1FD8-4B1D-8A34-7E20435D2439}" presName="parentText" presStyleLbl="node1" presStyleIdx="1" presStyleCnt="7">
         <dgm:presLayoutVars>
           <dgm:chMax val="0"/>
           <dgm:bulletEnabled val="1"/>
@@ -16443,7 +16425,7 @@
       <dgm:spPr/>
     </dgm:pt>
     <dgm:pt modelId="{554DF69B-60AF-44C3-A0C6-DC70B57CF0EF}" type="pres">
-      <dgm:prSet presAssocID="{6AC950A3-82F5-460D-A534-E08AEDE387FE}" presName="parentText" presStyleLbl="node1" presStyleIdx="2" presStyleCnt="5">
+      <dgm:prSet presAssocID="{6AC950A3-82F5-460D-A534-E08AEDE387FE}" presName="parentText" presStyleLbl="node1" presStyleIdx="2" presStyleCnt="7">
         <dgm:presLayoutVars>
           <dgm:chMax val="0"/>
           <dgm:bulletEnabled val="1"/>
@@ -16456,7 +16438,7 @@
       <dgm:spPr/>
     </dgm:pt>
     <dgm:pt modelId="{221B786C-59EC-4569-9511-7A4C9AE7E17C}" type="pres">
-      <dgm:prSet presAssocID="{094AA3F0-4484-4E3C-8AE3-9D1BF2A39382}" presName="parentText" presStyleLbl="node1" presStyleIdx="3" presStyleCnt="5">
+      <dgm:prSet presAssocID="{094AA3F0-4484-4E3C-8AE3-9D1BF2A39382}" presName="parentText" presStyleLbl="node1" presStyleIdx="3" presStyleCnt="7">
         <dgm:presLayoutVars>
           <dgm:chMax val="0"/>
           <dgm:bulletEnabled val="1"/>
@@ -16469,7 +16451,33 @@
       <dgm:spPr/>
     </dgm:pt>
     <dgm:pt modelId="{A7BD2DFC-DC29-4E9F-82A8-69D1B55150C9}" type="pres">
-      <dgm:prSet presAssocID="{4F7054E3-F5D4-4AE3-B6D2-4E95DF06A63C}" presName="parentText" presStyleLbl="node1" presStyleIdx="4" presStyleCnt="5">
+      <dgm:prSet presAssocID="{4F7054E3-F5D4-4AE3-B6D2-4E95DF06A63C}" presName="parentText" presStyleLbl="node1" presStyleIdx="4" presStyleCnt="7">
+        <dgm:presLayoutVars>
+          <dgm:chMax val="0"/>
+          <dgm:bulletEnabled val="1"/>
+        </dgm:presLayoutVars>
+      </dgm:prSet>
+      <dgm:spPr/>
+    </dgm:pt>
+    <dgm:pt modelId="{A57F4F33-3F93-4AEC-8810-F51791393F32}" type="pres">
+      <dgm:prSet presAssocID="{C96143E0-1A43-41B8-B520-1A17AF68BE89}" presName="spacer" presStyleCnt="0"/>
+      <dgm:spPr/>
+    </dgm:pt>
+    <dgm:pt modelId="{D67B576A-077C-41C6-8741-D8D530783B1B}" type="pres">
+      <dgm:prSet presAssocID="{689AC60E-6C01-455E-82EF-EEC6B3B724EB}" presName="parentText" presStyleLbl="node1" presStyleIdx="5" presStyleCnt="7">
+        <dgm:presLayoutVars>
+          <dgm:chMax val="0"/>
+          <dgm:bulletEnabled val="1"/>
+        </dgm:presLayoutVars>
+      </dgm:prSet>
+      <dgm:spPr/>
+    </dgm:pt>
+    <dgm:pt modelId="{38B55270-8847-4C36-91A4-2539434933A0}" type="pres">
+      <dgm:prSet presAssocID="{7B8BE08E-4AE3-4F94-8685-09B8621EB4C4}" presName="spacer" presStyleCnt="0"/>
+      <dgm:spPr/>
+    </dgm:pt>
+    <dgm:pt modelId="{F7CB28FE-A201-4E30-90CF-0223A9FF9F7D}" type="pres">
+      <dgm:prSet presAssocID="{8EB6F7AB-7EAE-4AFA-8A91-C8C6F4468D98}" presName="parentText" presStyleLbl="node1" presStyleIdx="6" presStyleCnt="7">
         <dgm:presLayoutVars>
           <dgm:chMax val="0"/>
           <dgm:bulletEnabled val="1"/>
@@ -16479,11 +16487,15 @@
     </dgm:pt>
   </dgm:ptLst>
   <dgm:cxnLst>
+    <dgm:cxn modelId="{B5D6C11B-AD5F-43D0-BA90-91A249F9FD35}" srcId="{480BFB1A-5604-4D44-9784-3B4A05BAD4FE}" destId="{689AC60E-6C01-455E-82EF-EEC6B3B724EB}" srcOrd="5" destOrd="0" parTransId="{08A8F9B4-08A1-4835-B435-010592DF65E5}" sibTransId="{7B8BE08E-4AE3-4F94-8685-09B8621EB4C4}"/>
     <dgm:cxn modelId="{CCEFB521-2105-489E-B81B-9EF31DFBF0DD}" type="presOf" srcId="{5D44EA7E-3FF9-4BD5-8D40-2849F897D76E}" destId="{5A366BCC-1A09-4AA5-9CEC-CA867D80E834}" srcOrd="0" destOrd="0" presId="urn:microsoft.com/office/officeart/2005/8/layout/vList2"/>
     <dgm:cxn modelId="{61CEAF33-2D42-4011-8E62-2BBD711A9439}" srcId="{480BFB1A-5604-4D44-9784-3B4A05BAD4FE}" destId="{6AC950A3-82F5-460D-A534-E08AEDE387FE}" srcOrd="2" destOrd="0" parTransId="{6CFC10DB-C16B-4836-88AD-A12ECD401D2D}" sibTransId="{24A87C45-A692-4344-AEED-E62FE8BFC698}"/>
     <dgm:cxn modelId="{531BAD64-FCBF-4EBA-94AC-365F05301CE3}" type="presOf" srcId="{3F698109-40CA-46C6-B5E2-421899D776D1}" destId="{97801DC3-E45E-4407-8380-1A527E95FBFB}" srcOrd="0" destOrd="0" presId="urn:microsoft.com/office/officeart/2005/8/layout/vList2"/>
+    <dgm:cxn modelId="{B864104B-D405-43E9-AC95-92F8FC0D9F38}" type="presOf" srcId="{689AC60E-6C01-455E-82EF-EEC6B3B724EB}" destId="{D67B576A-077C-41C6-8741-D8D530783B1B}" srcOrd="0" destOrd="0" presId="urn:microsoft.com/office/officeart/2005/8/layout/vList2"/>
     <dgm:cxn modelId="{FD1B3071-6B16-4143-9C6A-E34B76709D73}" type="presOf" srcId="{6AC950A3-82F5-460D-A534-E08AEDE387FE}" destId="{554DF69B-60AF-44C3-A0C6-DC70B57CF0EF}" srcOrd="0" destOrd="0" presId="urn:microsoft.com/office/officeart/2005/8/layout/vList2"/>
+    <dgm:cxn modelId="{695C3274-5648-4918-A262-88E38F461BB9}" srcId="{480BFB1A-5604-4D44-9784-3B4A05BAD4FE}" destId="{8EB6F7AB-7EAE-4AFA-8A91-C8C6F4468D98}" srcOrd="6" destOrd="0" parTransId="{A1FCD8B8-C2EF-4922-9845-F02983CFC5A1}" sibTransId="{6E928D39-3423-4687-B856-74BF8D16EE24}"/>
     <dgm:cxn modelId="{DD1666A1-5B44-43DA-9335-F1477D9A6D39}" srcId="{480BFB1A-5604-4D44-9784-3B4A05BAD4FE}" destId="{4F7054E3-F5D4-4AE3-B6D2-4E95DF06A63C}" srcOrd="4" destOrd="0" parTransId="{1F2E9468-728A-4F90-8512-C03FDF89EFA4}" sibTransId="{C96143E0-1A43-41B8-B520-1A17AF68BE89}"/>
+    <dgm:cxn modelId="{9888FFAB-5E3A-4B11-B1AF-317BD579ABD7}" type="presOf" srcId="{8EB6F7AB-7EAE-4AFA-8A91-C8C6F4468D98}" destId="{F7CB28FE-A201-4E30-90CF-0223A9FF9F7D}" srcOrd="0" destOrd="0" presId="urn:microsoft.com/office/officeart/2005/8/layout/vList2"/>
     <dgm:cxn modelId="{CF8C74B1-D478-4888-A784-E86E72EE08FC}" type="presOf" srcId="{480BFB1A-5604-4D44-9784-3B4A05BAD4FE}" destId="{CE27D942-1C2B-45A6-B11D-102CB7AC984B}" srcOrd="0" destOrd="0" presId="urn:microsoft.com/office/officeart/2005/8/layout/vList2"/>
     <dgm:cxn modelId="{6D7507B8-3481-42ED-8020-4DB2D08A68C9}" type="presOf" srcId="{148D1234-1FD8-4B1D-8A34-7E20435D2439}" destId="{8DAB8565-8E6D-4A5B-9379-7729D0A5812E}" srcOrd="0" destOrd="0" presId="urn:microsoft.com/office/officeart/2005/8/layout/vList2"/>
     <dgm:cxn modelId="{B8D232BA-4D06-4F33-BECF-96BEAB8117C5}" srcId="{480BFB1A-5604-4D44-9784-3B4A05BAD4FE}" destId="{148D1234-1FD8-4B1D-8A34-7E20435D2439}" srcOrd="1" destOrd="0" parTransId="{9F4B7FA4-BE1F-4258-831A-CFFBB296901B}" sibTransId="{E9BC27D4-79FC-4C39-B18F-CEC6FE53EDBC}"/>
@@ -16501,6 +16513,10 @@
     <dgm:cxn modelId="{22E331CE-C764-4909-B9FE-EF4AC8293049}" type="presParOf" srcId="{CE27D942-1C2B-45A6-B11D-102CB7AC984B}" destId="{221B786C-59EC-4569-9511-7A4C9AE7E17C}" srcOrd="6" destOrd="0" presId="urn:microsoft.com/office/officeart/2005/8/layout/vList2"/>
     <dgm:cxn modelId="{A1AF4F90-F100-4E1A-9DD8-BDB680AC11EB}" type="presParOf" srcId="{CE27D942-1C2B-45A6-B11D-102CB7AC984B}" destId="{2C19EBB7-2F28-48CF-AE1F-FE70963A3BC9}" srcOrd="7" destOrd="0" presId="urn:microsoft.com/office/officeart/2005/8/layout/vList2"/>
     <dgm:cxn modelId="{0AD43732-CD42-423A-B3DB-83F0DD518B71}" type="presParOf" srcId="{CE27D942-1C2B-45A6-B11D-102CB7AC984B}" destId="{A7BD2DFC-DC29-4E9F-82A8-69D1B55150C9}" srcOrd="8" destOrd="0" presId="urn:microsoft.com/office/officeart/2005/8/layout/vList2"/>
+    <dgm:cxn modelId="{8CA10887-DEE0-4EB2-B0DC-B0F75F37E56D}" type="presParOf" srcId="{CE27D942-1C2B-45A6-B11D-102CB7AC984B}" destId="{A57F4F33-3F93-4AEC-8810-F51791393F32}" srcOrd="9" destOrd="0" presId="urn:microsoft.com/office/officeart/2005/8/layout/vList2"/>
+    <dgm:cxn modelId="{D50C71AA-BF4F-4824-84B7-00F9541FA3D0}" type="presParOf" srcId="{CE27D942-1C2B-45A6-B11D-102CB7AC984B}" destId="{D67B576A-077C-41C6-8741-D8D530783B1B}" srcOrd="10" destOrd="0" presId="urn:microsoft.com/office/officeart/2005/8/layout/vList2"/>
+    <dgm:cxn modelId="{081521C9-D24D-4555-ADF9-D045B3FD4ECD}" type="presParOf" srcId="{CE27D942-1C2B-45A6-B11D-102CB7AC984B}" destId="{38B55270-8847-4C36-91A4-2539434933A0}" srcOrd="11" destOrd="0" presId="urn:microsoft.com/office/officeart/2005/8/layout/vList2"/>
+    <dgm:cxn modelId="{3B56FA56-DA25-4315-AF70-6F60D07EF4DB}" type="presParOf" srcId="{CE27D942-1C2B-45A6-B11D-102CB7AC984B}" destId="{F7CB28FE-A201-4E30-90CF-0223A9FF9F7D}" srcOrd="12" destOrd="0" presId="urn:microsoft.com/office/officeart/2005/8/layout/vList2"/>
   </dgm:cxnLst>
   <dgm:bg/>
   <dgm:whole/>
@@ -16535,15 +16551,7 @@
         <a:p>
           <a:r>
             <a:rPr lang="en-GB" dirty="0"/>
-            <a:t>Add non-</a:t>
-          </a:r>
-          <a:r>
-            <a:rPr lang="en-GB" dirty="0" err="1"/>
-            <a:t>upwork</a:t>
-          </a:r>
-          <a:r>
-            <a:rPr lang="en-GB" dirty="0"/>
-            <a:t> testimonials on Upwork, </a:t>
+            <a:t>Add non-Upwork testimonials on Upwork, </a:t>
           </a:r>
           <a:endParaRPr lang="fr-FR" dirty="0"/>
         </a:p>
@@ -17037,7 +17045,15 @@
           </a:pPr>
           <a:r>
             <a:rPr lang="en-US" sz="2200" b="0" i="0" kern="1200" dirty="0"/>
-            <a:t>When you start, you need to get into projects with fewest bidders</a:t>
+            <a:t>When you start, you need to get into </a:t>
+          </a:r>
+          <a:r>
+            <a:rPr lang="en-US" sz="2200" b="1" i="0" kern="1200" dirty="0"/>
+            <a:t>3-5 small </a:t>
+          </a:r>
+          <a:r>
+            <a:rPr lang="en-US" sz="2200" b="0" i="0" kern="1200" dirty="0"/>
+            <a:t>projects with fewest bidders</a:t>
           </a:r>
         </a:p>
       </dsp:txBody>
@@ -17098,7 +17114,7 @@
           </a:pPr>
           <a:r>
             <a:rPr lang="en-US" sz="1700" b="0" i="0" kern="1200" dirty="0"/>
-            <a:t>to build your portfolio</a:t>
+            <a:t>to build your portfolio and reputation</a:t>
           </a:r>
         </a:p>
         <a:p>
@@ -17136,7 +17152,7 @@
           </a:pPr>
           <a:r>
             <a:rPr lang="en-US" sz="1700" b="0" i="0" kern="1200" dirty="0"/>
-            <a:t>to have good ratings on your Upwork profile.</a:t>
+            <a:t>to have good ratings on your Upwork profile</a:t>
           </a:r>
         </a:p>
       </dsp:txBody>
@@ -17214,23 +17230,7 @@
           </a:pPr>
           <a:r>
             <a:rPr lang="en-US" sz="2200" b="0" i="0" kern="1200" dirty="0"/>
-            <a:t>Write a good cover letter and include your portfolio website linked to </a:t>
-          </a:r>
-          <a:r>
-            <a:rPr lang="en-US" sz="2200" b="0" i="0" kern="1200" dirty="0" err="1"/>
-            <a:t>upwork</a:t>
-          </a:r>
-          <a:r>
-            <a:rPr lang="en-US" sz="2200" b="0" i="0" kern="1200" dirty="0"/>
-            <a:t>, when applying to an </a:t>
-          </a:r>
-          <a:r>
-            <a:rPr lang="en-US" sz="2200" b="0" i="0" kern="1200" dirty="0" err="1"/>
-            <a:t>upwork</a:t>
-          </a:r>
-          <a:r>
-            <a:rPr lang="en-US" sz="2200" b="0" i="0" kern="1200" dirty="0"/>
-            <a:t> job</a:t>
+            <a:t>Write a good cover letter and include your portfolio website linked to Upwork, when applying to an Upwork job</a:t>
           </a:r>
         </a:p>
       </dsp:txBody>
@@ -18190,8 +18190,8 @@
       </dsp:nvSpPr>
       <dsp:spPr>
         <a:xfrm>
-          <a:off x="0" y="65520"/>
-          <a:ext cx="10058399" cy="383760"/>
+          <a:off x="0" y="85792"/>
+          <a:ext cx="10058399" cy="455715"/>
         </a:xfrm>
         <a:prstGeom prst="roundRect">
           <a:avLst/>
@@ -18232,12 +18232,12 @@
         </a:fontRef>
       </dsp:style>
       <dsp:txBody>
-        <a:bodyPr spcFirstLastPara="0" vert="horz" wrap="square" lIns="60960" tIns="60960" rIns="60960" bIns="60960" numCol="1" spcCol="1270" anchor="ctr" anchorCtr="0">
+        <a:bodyPr spcFirstLastPara="0" vert="horz" wrap="square" lIns="72390" tIns="72390" rIns="72390" bIns="72390" numCol="1" spcCol="1270" anchor="ctr" anchorCtr="0">
           <a:noAutofit/>
         </a:bodyPr>
         <a:lstStyle/>
         <a:p>
-          <a:pPr marL="0" lvl="0" indent="0" algn="l" defTabSz="711200">
+          <a:pPr marL="0" lvl="0" indent="0" algn="l" defTabSz="844550">
             <a:lnSpc>
               <a:spcPct val="90000"/>
             </a:lnSpc>
@@ -18251,15 +18251,15 @@
             <a:buNone/>
           </a:pPr>
           <a:r>
-            <a:rPr lang="en-US" sz="1600" b="1" i="0" kern="1200" dirty="0"/>
+            <a:rPr lang="en-US" sz="1900" b="1" i="0" kern="1200" dirty="0"/>
             <a:t>Plan and Prioritize in Azure Task board, Trello or equivalent:</a:t>
           </a:r>
-          <a:endParaRPr lang="en-US" sz="1600" b="0" i="0" kern="1200" dirty="0"/>
+          <a:endParaRPr lang="en-US" sz="1900" b="0" i="0" kern="1200" dirty="0"/>
         </a:p>
       </dsp:txBody>
       <dsp:txXfrm>
-        <a:off x="18734" y="84254"/>
-        <a:ext cx="10020931" cy="346292"/>
+        <a:off x="22246" y="108038"/>
+        <a:ext cx="10013907" cy="411223"/>
       </dsp:txXfrm>
     </dsp:sp>
     <dsp:sp modelId="{D801244C-39B0-41FF-8E48-BCF45A382810}">
@@ -18269,8 +18269,8 @@
       </dsp:nvSpPr>
       <dsp:spPr>
         <a:xfrm>
-          <a:off x="0" y="449280"/>
-          <a:ext cx="10058399" cy="264960"/>
+          <a:off x="0" y="541507"/>
+          <a:ext cx="10058399" cy="314640"/>
         </a:xfrm>
         <a:prstGeom prst="rect">
           <a:avLst/>
@@ -18294,12 +18294,12 @@
         <a:fontRef idx="minor"/>
       </dsp:style>
       <dsp:txBody>
-        <a:bodyPr spcFirstLastPara="0" vert="horz" wrap="square" lIns="319354" tIns="20320" rIns="113792" bIns="20320" numCol="1" spcCol="1270" anchor="t" anchorCtr="0">
+        <a:bodyPr spcFirstLastPara="0" vert="horz" wrap="square" lIns="319354" tIns="24130" rIns="135128" bIns="24130" numCol="1" spcCol="1270" anchor="t" anchorCtr="0">
           <a:noAutofit/>
         </a:bodyPr>
         <a:lstStyle/>
         <a:p>
-          <a:pPr marL="114300" lvl="1" indent="-114300" algn="l" defTabSz="533400">
+          <a:pPr marL="114300" lvl="1" indent="-114300" algn="l" defTabSz="666750">
             <a:lnSpc>
               <a:spcPct val="90000"/>
             </a:lnSpc>
@@ -18313,14 +18313,14 @@
             <a:buAutoNum type="arabicPeriod"/>
           </a:pPr>
           <a:r>
-            <a:rPr lang="en-US" sz="1200" b="0" i="0" kern="1200" dirty="0"/>
+            <a:rPr lang="en-US" sz="1500" b="0" i="0" kern="1200" dirty="0"/>
             <a:t>Create a project plan, break it into smaller tasks, and set realistic deadlines.</a:t>
           </a:r>
         </a:p>
       </dsp:txBody>
       <dsp:txXfrm>
-        <a:off x="0" y="449280"/>
-        <a:ext cx="10058399" cy="264960"/>
+        <a:off x="0" y="541507"/>
+        <a:ext cx="10058399" cy="314640"/>
       </dsp:txXfrm>
     </dsp:sp>
     <dsp:sp modelId="{CF2479F2-0DB3-4084-9102-3BD7481C0296}">
@@ -18330,8 +18330,8 @@
       </dsp:nvSpPr>
       <dsp:spPr>
         <a:xfrm>
-          <a:off x="0" y="714240"/>
-          <a:ext cx="10058399" cy="383760"/>
+          <a:off x="0" y="856147"/>
+          <a:ext cx="10058399" cy="455715"/>
         </a:xfrm>
         <a:prstGeom prst="roundRect">
           <a:avLst/>
@@ -18372,12 +18372,12 @@
         </a:fontRef>
       </dsp:style>
       <dsp:txBody>
-        <a:bodyPr spcFirstLastPara="0" vert="horz" wrap="square" lIns="60960" tIns="60960" rIns="60960" bIns="60960" numCol="1" spcCol="1270" anchor="ctr" anchorCtr="0">
+        <a:bodyPr spcFirstLastPara="0" vert="horz" wrap="square" lIns="72390" tIns="72390" rIns="72390" bIns="72390" numCol="1" spcCol="1270" anchor="ctr" anchorCtr="0">
           <a:noAutofit/>
         </a:bodyPr>
         <a:lstStyle/>
         <a:p>
-          <a:pPr marL="0" lvl="0" indent="0" algn="l" defTabSz="711200">
+          <a:pPr marL="0" lvl="0" indent="0" algn="l" defTabSz="844550">
             <a:lnSpc>
               <a:spcPct val="90000"/>
             </a:lnSpc>
@@ -18391,15 +18391,15 @@
             <a:buNone/>
           </a:pPr>
           <a:r>
-            <a:rPr lang="en-US" sz="1600" b="1" i="0" kern="1200" dirty="0"/>
+            <a:rPr lang="en-US" sz="1900" b="1" i="0" kern="1200" dirty="0"/>
             <a:t>Regular Communication, share your task board with the client:</a:t>
           </a:r>
-          <a:endParaRPr lang="en-US" sz="1600" b="0" i="0" kern="1200" dirty="0"/>
+          <a:endParaRPr lang="en-US" sz="1900" b="0" i="0" kern="1200" dirty="0"/>
         </a:p>
       </dsp:txBody>
       <dsp:txXfrm>
-        <a:off x="18734" y="732974"/>
-        <a:ext cx="10020931" cy="346292"/>
+        <a:off x="22246" y="878393"/>
+        <a:ext cx="10013907" cy="411223"/>
       </dsp:txXfrm>
     </dsp:sp>
     <dsp:sp modelId="{3200907E-5E9A-4E0B-AB50-C9145AB7BAAA}">
@@ -18409,8 +18409,8 @@
       </dsp:nvSpPr>
       <dsp:spPr>
         <a:xfrm>
-          <a:off x="0" y="1098000"/>
-          <a:ext cx="10058399" cy="264960"/>
+          <a:off x="0" y="1311862"/>
+          <a:ext cx="10058399" cy="314640"/>
         </a:xfrm>
         <a:prstGeom prst="rect">
           <a:avLst/>
@@ -18434,12 +18434,12 @@
         <a:fontRef idx="minor"/>
       </dsp:style>
       <dsp:txBody>
-        <a:bodyPr spcFirstLastPara="0" vert="horz" wrap="square" lIns="319354" tIns="20320" rIns="113792" bIns="20320" numCol="1" spcCol="1270" anchor="t" anchorCtr="0">
+        <a:bodyPr spcFirstLastPara="0" vert="horz" wrap="square" lIns="319354" tIns="24130" rIns="135128" bIns="24130" numCol="1" spcCol="1270" anchor="t" anchorCtr="0">
           <a:noAutofit/>
         </a:bodyPr>
         <a:lstStyle/>
         <a:p>
-          <a:pPr marL="114300" lvl="1" indent="-114300" algn="l" defTabSz="533400">
+          <a:pPr marL="114300" lvl="1" indent="-114300" algn="l" defTabSz="666750">
             <a:lnSpc>
               <a:spcPct val="90000"/>
             </a:lnSpc>
@@ -18453,18 +18453,14 @@
             <a:buAutoNum type="arabicPeriod"/>
           </a:pPr>
           <a:r>
-            <a:rPr lang="en-US" sz="1200" b="0" i="0" kern="1200"/>
-            <a:t> </a:t>
-          </a:r>
-          <a:r>
-            <a:rPr lang="en-US" sz="1200" b="0" i="0" kern="1200" dirty="0"/>
-            <a:t>Maintain open communication with the client to keep them informed.</a:t>
+            <a:rPr lang="en-US" sz="1500" b="0" i="0" kern="1200" dirty="0"/>
+            <a:t> Maintain open communication with the client to keep them informed.</a:t>
           </a:r>
         </a:p>
       </dsp:txBody>
       <dsp:txXfrm>
-        <a:off x="0" y="1098000"/>
-        <a:ext cx="10058399" cy="264960"/>
+        <a:off x="0" y="1311862"/>
+        <a:ext cx="10058399" cy="314640"/>
       </dsp:txXfrm>
     </dsp:sp>
     <dsp:sp modelId="{5B7A6E19-9621-4EB4-B890-6A8F21DE1C90}">
@@ -18474,8 +18470,8 @@
       </dsp:nvSpPr>
       <dsp:spPr>
         <a:xfrm>
-          <a:off x="0" y="1362960"/>
-          <a:ext cx="10058399" cy="383760"/>
+          <a:off x="0" y="1626502"/>
+          <a:ext cx="10058399" cy="455715"/>
         </a:xfrm>
         <a:prstGeom prst="roundRect">
           <a:avLst/>
@@ -18516,12 +18512,12 @@
         </a:fontRef>
       </dsp:style>
       <dsp:txBody>
-        <a:bodyPr spcFirstLastPara="0" vert="horz" wrap="square" lIns="60960" tIns="60960" rIns="60960" bIns="60960" numCol="1" spcCol="1270" anchor="ctr" anchorCtr="0">
+        <a:bodyPr spcFirstLastPara="0" vert="horz" wrap="square" lIns="72390" tIns="72390" rIns="72390" bIns="72390" numCol="1" spcCol="1270" anchor="ctr" anchorCtr="0">
           <a:noAutofit/>
         </a:bodyPr>
         <a:lstStyle/>
         <a:p>
-          <a:pPr marL="0" lvl="0" indent="0" algn="l" defTabSz="711200">
+          <a:pPr marL="0" lvl="0" indent="0" algn="l" defTabSz="844550">
             <a:lnSpc>
               <a:spcPct val="90000"/>
             </a:lnSpc>
@@ -18535,15 +18531,15 @@
             <a:buNone/>
           </a:pPr>
           <a:r>
-            <a:rPr lang="en-US" sz="1600" b="1" i="0" kern="1200" dirty="0"/>
+            <a:rPr lang="en-US" sz="1900" b="1" i="0" kern="1200" dirty="0"/>
             <a:t>Testing and QA:</a:t>
           </a:r>
-          <a:endParaRPr lang="en-US" sz="1600" b="0" i="0" kern="1200" dirty="0"/>
+          <a:endParaRPr lang="en-US" sz="1900" b="0" i="0" kern="1200" dirty="0"/>
         </a:p>
       </dsp:txBody>
       <dsp:txXfrm>
-        <a:off x="18734" y="1381694"/>
-        <a:ext cx="10020931" cy="346292"/>
+        <a:off x="22246" y="1648748"/>
+        <a:ext cx="10013907" cy="411223"/>
       </dsp:txXfrm>
     </dsp:sp>
     <dsp:sp modelId="{2FCFA1AD-CD3C-4CBF-8F66-C283E9976D6F}">
@@ -18553,8 +18549,8 @@
       </dsp:nvSpPr>
       <dsp:spPr>
         <a:xfrm>
-          <a:off x="0" y="1746720"/>
-          <a:ext cx="10058399" cy="264960"/>
+          <a:off x="0" y="2082217"/>
+          <a:ext cx="10058399" cy="314640"/>
         </a:xfrm>
         <a:prstGeom prst="rect">
           <a:avLst/>
@@ -18578,12 +18574,12 @@
         <a:fontRef idx="minor"/>
       </dsp:style>
       <dsp:txBody>
-        <a:bodyPr spcFirstLastPara="0" vert="horz" wrap="square" lIns="319354" tIns="20320" rIns="113792" bIns="20320" numCol="1" spcCol="1270" anchor="t" anchorCtr="0">
+        <a:bodyPr spcFirstLastPara="0" vert="horz" wrap="square" lIns="319354" tIns="24130" rIns="135128" bIns="24130" numCol="1" spcCol="1270" anchor="t" anchorCtr="0">
           <a:noAutofit/>
         </a:bodyPr>
         <a:lstStyle/>
         <a:p>
-          <a:pPr marL="114300" lvl="1" indent="-114300" algn="l" defTabSz="533400">
+          <a:pPr marL="114300" lvl="1" indent="-114300" algn="l" defTabSz="666750">
             <a:lnSpc>
               <a:spcPct val="90000"/>
             </a:lnSpc>
@@ -18597,25 +18593,33 @@
             <a:buAutoNum type="arabicPeriod"/>
           </a:pPr>
           <a:r>
-            <a:rPr lang="en-US" sz="1200" b="0" i="0" kern="1200" dirty="0"/>
-            <a:t>Test your code thoroughly and document it, including a README file.</a:t>
+            <a:rPr lang="en-US" sz="1500" b="0" i="0" kern="1200" dirty="0"/>
+            <a:t>Test your code thoroughly and document it, including a </a:t>
+          </a:r>
+          <a:r>
+            <a:rPr lang="en-US" sz="1500" b="1" i="0" kern="1200" dirty="0"/>
+            <a:t>README</a:t>
+          </a:r>
+          <a:r>
+            <a:rPr lang="en-US" sz="1500" b="0" i="0" kern="1200" dirty="0"/>
+            <a:t> file.</a:t>
           </a:r>
         </a:p>
       </dsp:txBody>
       <dsp:txXfrm>
-        <a:off x="0" y="1746720"/>
-        <a:ext cx="10058399" cy="264960"/>
+        <a:off x="0" y="2082217"/>
+        <a:ext cx="10058399" cy="314640"/>
       </dsp:txXfrm>
     </dsp:sp>
-    <dsp:sp modelId="{A1170CAF-4877-4181-9F5A-8D2C61F78CA6}">
+    <dsp:sp modelId="{76D48775-0F23-4B17-A2DC-01E2A9137647}">
       <dsp:nvSpPr>
         <dsp:cNvPr id="0" name=""/>
         <dsp:cNvSpPr/>
       </dsp:nvSpPr>
       <dsp:spPr>
         <a:xfrm>
-          <a:off x="0" y="2011680"/>
-          <a:ext cx="10058399" cy="383760"/>
+          <a:off x="0" y="2396857"/>
+          <a:ext cx="10058399" cy="455715"/>
         </a:xfrm>
         <a:prstGeom prst="roundRect">
           <a:avLst/>
@@ -18656,12 +18660,12 @@
         </a:fontRef>
       </dsp:style>
       <dsp:txBody>
-        <a:bodyPr spcFirstLastPara="0" vert="horz" wrap="square" lIns="60960" tIns="60960" rIns="60960" bIns="60960" numCol="1" spcCol="1270" anchor="ctr" anchorCtr="0">
+        <a:bodyPr spcFirstLastPara="0" vert="horz" wrap="square" lIns="72390" tIns="72390" rIns="72390" bIns="72390" numCol="1" spcCol="1270" anchor="ctr" anchorCtr="0">
           <a:noAutofit/>
         </a:bodyPr>
         <a:lstStyle/>
         <a:p>
-          <a:pPr marL="0" lvl="0" indent="0" algn="l" defTabSz="711200">
+          <a:pPr marL="0" lvl="0" indent="0" algn="l" defTabSz="844550">
             <a:lnSpc>
               <a:spcPct val="90000"/>
             </a:lnSpc>
@@ -18675,26 +18679,26 @@
             <a:buNone/>
           </a:pPr>
           <a:r>
-            <a:rPr lang="en-US" sz="1600" b="1" i="0" kern="1200" dirty="0"/>
-            <a:t>Scope and Time Management:</a:t>
+            <a:rPr lang="en-US" sz="1900" b="1" i="0" kern="1200" dirty="0"/>
+            <a:t>Client Handoff:</a:t>
           </a:r>
-          <a:endParaRPr lang="en-US" sz="1600" b="0" i="0" kern="1200" dirty="0"/>
+          <a:endParaRPr lang="en-US" sz="1900" b="0" i="0" kern="1200" dirty="0"/>
         </a:p>
       </dsp:txBody>
       <dsp:txXfrm>
-        <a:off x="18734" y="2030414"/>
-        <a:ext cx="10020931" cy="346292"/>
+        <a:off x="22246" y="2419103"/>
+        <a:ext cx="10013907" cy="411223"/>
       </dsp:txXfrm>
     </dsp:sp>
-    <dsp:sp modelId="{DC2465F1-006A-45F2-AA18-48797019BF1B}">
+    <dsp:sp modelId="{0050DD73-A6F7-4B7B-A310-0CB44440F2D3}">
       <dsp:nvSpPr>
         <dsp:cNvPr id="0" name=""/>
         <dsp:cNvSpPr/>
       </dsp:nvSpPr>
       <dsp:spPr>
         <a:xfrm>
-          <a:off x="0" y="2395440"/>
-          <a:ext cx="10058399" cy="264960"/>
+          <a:off x="0" y="2852572"/>
+          <a:ext cx="10058399" cy="314640"/>
         </a:xfrm>
         <a:prstGeom prst="rect">
           <a:avLst/>
@@ -18718,12 +18722,12 @@
         <a:fontRef idx="minor"/>
       </dsp:style>
       <dsp:txBody>
-        <a:bodyPr spcFirstLastPara="0" vert="horz" wrap="square" lIns="319354" tIns="20320" rIns="113792" bIns="20320" numCol="1" spcCol="1270" anchor="t" anchorCtr="0">
+        <a:bodyPr spcFirstLastPara="0" vert="horz" wrap="square" lIns="319354" tIns="24130" rIns="135128" bIns="24130" numCol="1" spcCol="1270" anchor="t" anchorCtr="0">
           <a:noAutofit/>
         </a:bodyPr>
         <a:lstStyle/>
         <a:p>
-          <a:pPr marL="114300" lvl="1" indent="-114300" algn="l" defTabSz="533400">
+          <a:pPr marL="114300" lvl="1" indent="-114300" algn="l" defTabSz="666750">
             <a:lnSpc>
               <a:spcPct val="90000"/>
             </a:lnSpc>
@@ -18737,25 +18741,33 @@
             <a:buAutoNum type="arabicPeriod"/>
           </a:pPr>
           <a:r>
-            <a:rPr lang="en-US" sz="1200" b="0" i="0" kern="1200" dirty="0"/>
-            <a:t>Manage scope creep to prioritize tasks </a:t>
+            <a:rPr lang="en-US" sz="1500" b="0" i="0" kern="1200" dirty="0"/>
+            <a:t>Provide all necessary files and </a:t>
+          </a:r>
+          <a:r>
+            <a:rPr lang="en-US" sz="1500" b="1" i="0" kern="1200" dirty="0"/>
+            <a:t>documentation</a:t>
+          </a:r>
+          <a:r>
+            <a:rPr lang="en-US" sz="1500" b="0" i="0" kern="1200" dirty="0"/>
+            <a:t> to the client for project maintenance.</a:t>
           </a:r>
         </a:p>
       </dsp:txBody>
       <dsp:txXfrm>
-        <a:off x="0" y="2395440"/>
-        <a:ext cx="10058399" cy="264960"/>
+        <a:off x="0" y="2852572"/>
+        <a:ext cx="10058399" cy="314640"/>
       </dsp:txXfrm>
     </dsp:sp>
-    <dsp:sp modelId="{76D48775-0F23-4B17-A2DC-01E2A9137647}">
+    <dsp:sp modelId="{3284F189-FB13-4736-B495-CE086DEC3C01}">
       <dsp:nvSpPr>
         <dsp:cNvPr id="0" name=""/>
         <dsp:cNvSpPr/>
       </dsp:nvSpPr>
       <dsp:spPr>
         <a:xfrm>
-          <a:off x="0" y="2660400"/>
-          <a:ext cx="10058399" cy="383760"/>
+          <a:off x="0" y="3167212"/>
+          <a:ext cx="10058399" cy="455715"/>
         </a:xfrm>
         <a:prstGeom prst="roundRect">
           <a:avLst/>
@@ -18796,12 +18808,12 @@
         </a:fontRef>
       </dsp:style>
       <dsp:txBody>
-        <a:bodyPr spcFirstLastPara="0" vert="horz" wrap="square" lIns="60960" tIns="60960" rIns="60960" bIns="60960" numCol="1" spcCol="1270" anchor="ctr" anchorCtr="0">
+        <a:bodyPr spcFirstLastPara="0" vert="horz" wrap="square" lIns="72390" tIns="72390" rIns="72390" bIns="72390" numCol="1" spcCol="1270" anchor="ctr" anchorCtr="0">
           <a:noAutofit/>
         </a:bodyPr>
         <a:lstStyle/>
         <a:p>
-          <a:pPr marL="0" lvl="0" indent="0" algn="l" defTabSz="711200">
+          <a:pPr marL="0" lvl="0" indent="0" algn="l" defTabSz="844550">
             <a:lnSpc>
               <a:spcPct val="90000"/>
             </a:lnSpc>
@@ -18815,26 +18827,26 @@
             <a:buNone/>
           </a:pPr>
           <a:r>
-            <a:rPr lang="en-US" sz="1600" b="1" i="0" kern="1200" dirty="0"/>
-            <a:t>Client Handoff:</a:t>
+            <a:rPr lang="en-US" sz="1900" b="1" i="0" kern="1200" dirty="0"/>
+            <a:t>Post-launch Support:</a:t>
           </a:r>
-          <a:endParaRPr lang="en-US" sz="1600" b="0" i="0" kern="1200" dirty="0"/>
+          <a:endParaRPr lang="en-US" sz="1900" b="0" i="0" kern="1200" dirty="0"/>
         </a:p>
       </dsp:txBody>
       <dsp:txXfrm>
-        <a:off x="18734" y="2679134"/>
-        <a:ext cx="10020931" cy="346292"/>
+        <a:off x="22246" y="3189458"/>
+        <a:ext cx="10013907" cy="411223"/>
       </dsp:txXfrm>
     </dsp:sp>
-    <dsp:sp modelId="{0050DD73-A6F7-4B7B-A310-0CB44440F2D3}">
+    <dsp:sp modelId="{9BFAC266-EF0E-4F54-A6F6-CF6BC80332F9}">
       <dsp:nvSpPr>
         <dsp:cNvPr id="0" name=""/>
         <dsp:cNvSpPr/>
       </dsp:nvSpPr>
       <dsp:spPr>
         <a:xfrm>
-          <a:off x="0" y="3044160"/>
-          <a:ext cx="10058399" cy="264960"/>
+          <a:off x="0" y="3622927"/>
+          <a:ext cx="10058399" cy="314640"/>
         </a:xfrm>
         <a:prstGeom prst="rect">
           <a:avLst/>
@@ -18858,12 +18870,12 @@
         <a:fontRef idx="minor"/>
       </dsp:style>
       <dsp:txBody>
-        <a:bodyPr spcFirstLastPara="0" vert="horz" wrap="square" lIns="319354" tIns="20320" rIns="113792" bIns="20320" numCol="1" spcCol="1270" anchor="t" anchorCtr="0">
+        <a:bodyPr spcFirstLastPara="0" vert="horz" wrap="square" lIns="319354" tIns="24130" rIns="135128" bIns="24130" numCol="1" spcCol="1270" anchor="t" anchorCtr="0">
           <a:noAutofit/>
         </a:bodyPr>
         <a:lstStyle/>
         <a:p>
-          <a:pPr marL="114300" lvl="1" indent="-114300" algn="l" defTabSz="533400">
+          <a:pPr marL="114300" lvl="1" indent="-114300" algn="l" defTabSz="666750">
             <a:lnSpc>
               <a:spcPct val="90000"/>
             </a:lnSpc>
@@ -18877,162 +18889,30 @@
             <a:buAutoNum type="arabicPeriod"/>
           </a:pPr>
           <a:r>
-            <a:rPr lang="en-US" sz="1200" b="0" i="0" kern="1200"/>
-            <a:t>Provide </a:t>
+            <a:rPr lang="en-US" sz="1500" b="0" i="0" kern="1200" dirty="0"/>
+            <a:t>Offer post-launch support for a </a:t>
           </a:r>
           <a:r>
-            <a:rPr lang="en-US" sz="1200" b="0" i="0" kern="1200" dirty="0"/>
-            <a:t>all necessary files and documentation to the client for project maintenance.</a:t>
+            <a:rPr lang="en-US" sz="1500" b="1" i="0" kern="1200" dirty="0"/>
+            <a:t>specified</a:t>
+          </a:r>
+          <a:r>
+            <a:rPr lang="en-US" sz="1500" b="0" i="0" kern="1200" dirty="0"/>
+            <a:t> </a:t>
+          </a:r>
+          <a:r>
+            <a:rPr lang="en-US" sz="1500" b="1" i="0" kern="1200" dirty="0"/>
+            <a:t>period; 1-3 Months</a:t>
+          </a:r>
+          <a:r>
+            <a:rPr lang="en-US" sz="1500" b="0" i="0" kern="1200" dirty="0"/>
+            <a:t>.</a:t>
           </a:r>
         </a:p>
       </dsp:txBody>
       <dsp:txXfrm>
-        <a:off x="0" y="3044160"/>
-        <a:ext cx="10058399" cy="264960"/>
-      </dsp:txXfrm>
-    </dsp:sp>
-    <dsp:sp modelId="{3284F189-FB13-4736-B495-CE086DEC3C01}">
-      <dsp:nvSpPr>
-        <dsp:cNvPr id="0" name=""/>
-        <dsp:cNvSpPr/>
-      </dsp:nvSpPr>
-      <dsp:spPr>
-        <a:xfrm>
-          <a:off x="0" y="3309120"/>
-          <a:ext cx="10058399" cy="383760"/>
-        </a:xfrm>
-        <a:prstGeom prst="roundRect">
-          <a:avLst/>
-        </a:prstGeom>
-        <a:solidFill>
-          <a:schemeClr val="accent1">
-            <a:hueOff val="0"/>
-            <a:satOff val="0"/>
-            <a:lumOff val="0"/>
-            <a:alphaOff val="0"/>
-          </a:schemeClr>
-        </a:solidFill>
-        <a:ln w="15875" cap="flat" cmpd="sng" algn="ctr">
-          <a:solidFill>
-            <a:schemeClr val="lt1">
-              <a:hueOff val="0"/>
-              <a:satOff val="0"/>
-              <a:lumOff val="0"/>
-              <a:alphaOff val="0"/>
-            </a:schemeClr>
-          </a:solidFill>
-          <a:prstDash val="solid"/>
-        </a:ln>
-        <a:effectLst/>
-      </dsp:spPr>
-      <dsp:style>
-        <a:lnRef idx="2">
-          <a:scrgbClr r="0" g="0" b="0"/>
-        </a:lnRef>
-        <a:fillRef idx="1">
-          <a:scrgbClr r="0" g="0" b="0"/>
-        </a:fillRef>
-        <a:effectRef idx="0">
-          <a:scrgbClr r="0" g="0" b="0"/>
-        </a:effectRef>
-        <a:fontRef idx="minor">
-          <a:schemeClr val="lt1"/>
-        </a:fontRef>
-      </dsp:style>
-      <dsp:txBody>
-        <a:bodyPr spcFirstLastPara="0" vert="horz" wrap="square" lIns="60960" tIns="60960" rIns="60960" bIns="60960" numCol="1" spcCol="1270" anchor="ctr" anchorCtr="0">
-          <a:noAutofit/>
-        </a:bodyPr>
-        <a:lstStyle/>
-        <a:p>
-          <a:pPr marL="0" lvl="0" indent="0" algn="l" defTabSz="711200">
-            <a:lnSpc>
-              <a:spcPct val="90000"/>
-            </a:lnSpc>
-            <a:spcBef>
-              <a:spcPct val="0"/>
-            </a:spcBef>
-            <a:spcAft>
-              <a:spcPct val="35000"/>
-            </a:spcAft>
-            <a:buFont typeface="+mj-lt"/>
-            <a:buNone/>
-          </a:pPr>
-          <a:r>
-            <a:rPr lang="en-US" sz="1600" b="1" i="0" kern="1200" dirty="0"/>
-            <a:t>Post-launch Support:</a:t>
-          </a:r>
-          <a:endParaRPr lang="en-US" sz="1600" b="0" i="0" kern="1200" dirty="0"/>
-        </a:p>
-      </dsp:txBody>
-      <dsp:txXfrm>
-        <a:off x="18734" y="3327854"/>
-        <a:ext cx="10020931" cy="346292"/>
-      </dsp:txXfrm>
-    </dsp:sp>
-    <dsp:sp modelId="{9BFAC266-EF0E-4F54-A6F6-CF6BC80332F9}">
-      <dsp:nvSpPr>
-        <dsp:cNvPr id="0" name=""/>
-        <dsp:cNvSpPr/>
-      </dsp:nvSpPr>
-      <dsp:spPr>
-        <a:xfrm>
-          <a:off x="0" y="3692880"/>
-          <a:ext cx="10058399" cy="264960"/>
-        </a:xfrm>
-        <a:prstGeom prst="rect">
-          <a:avLst/>
-        </a:prstGeom>
-        <a:noFill/>
-        <a:ln>
-          <a:noFill/>
-        </a:ln>
-        <a:effectLst/>
-      </dsp:spPr>
-      <dsp:style>
-        <a:lnRef idx="0">
-          <a:scrgbClr r="0" g="0" b="0"/>
-        </a:lnRef>
-        <a:fillRef idx="0">
-          <a:scrgbClr r="0" g="0" b="0"/>
-        </a:fillRef>
-        <a:effectRef idx="0">
-          <a:scrgbClr r="0" g="0" b="0"/>
-        </a:effectRef>
-        <a:fontRef idx="minor"/>
-      </dsp:style>
-      <dsp:txBody>
-        <a:bodyPr spcFirstLastPara="0" vert="horz" wrap="square" lIns="319354" tIns="20320" rIns="113792" bIns="20320" numCol="1" spcCol="1270" anchor="t" anchorCtr="0">
-          <a:noAutofit/>
-        </a:bodyPr>
-        <a:lstStyle/>
-        <a:p>
-          <a:pPr marL="114300" lvl="1" indent="-114300" algn="l" defTabSz="533400">
-            <a:lnSpc>
-              <a:spcPct val="90000"/>
-            </a:lnSpc>
-            <a:spcBef>
-              <a:spcPct val="0"/>
-            </a:spcBef>
-            <a:spcAft>
-              <a:spcPct val="20000"/>
-            </a:spcAft>
-            <a:buFont typeface="+mj-lt"/>
-            <a:buAutoNum type="arabicPeriod"/>
-          </a:pPr>
-          <a:r>
-            <a:rPr lang="en-US" sz="1200" b="0" i="0" kern="1200"/>
-            <a:t>Offer </a:t>
-          </a:r>
-          <a:r>
-            <a:rPr lang="en-US" sz="1200" b="0" i="0" kern="1200" dirty="0"/>
-            <a:t>post-launch support for a specified period.</a:t>
-          </a:r>
-        </a:p>
-      </dsp:txBody>
-      <dsp:txXfrm>
-        <a:off x="0" y="3692880"/>
-        <a:ext cx="10058399" cy="264960"/>
+        <a:off x="0" y="3622927"/>
+        <a:ext cx="10058399" cy="314640"/>
       </dsp:txXfrm>
     </dsp:sp>
   </dsp:spTree>
@@ -23224,8 +23104,8 @@
       </dsp:nvSpPr>
       <dsp:spPr>
         <a:xfrm>
-          <a:off x="0" y="52492"/>
-          <a:ext cx="10058399" cy="647595"/>
+          <a:off x="0" y="23129"/>
+          <a:ext cx="10058399" cy="479700"/>
         </a:xfrm>
         <a:prstGeom prst="roundRect">
           <a:avLst/>
@@ -23266,12 +23146,12 @@
         </a:fontRef>
       </dsp:style>
       <dsp:txBody>
-        <a:bodyPr spcFirstLastPara="0" vert="horz" wrap="square" lIns="102870" tIns="102870" rIns="102870" bIns="102870" numCol="1" spcCol="1270" anchor="ctr" anchorCtr="0">
+        <a:bodyPr spcFirstLastPara="0" vert="horz" wrap="square" lIns="76200" tIns="76200" rIns="76200" bIns="76200" numCol="1" spcCol="1270" anchor="ctr" anchorCtr="0">
           <a:noAutofit/>
         </a:bodyPr>
         <a:lstStyle/>
         <a:p>
-          <a:pPr marL="0" lvl="0" indent="0" algn="l" defTabSz="1200150">
+          <a:pPr marL="0" lvl="0" indent="0" algn="l" defTabSz="889000">
             <a:lnSpc>
               <a:spcPct val="90000"/>
             </a:lnSpc>
@@ -23284,15 +23164,15 @@
             <a:buNone/>
           </a:pPr>
           <a:r>
-            <a:rPr lang="en-GB" sz="2700" kern="1200" dirty="0"/>
+            <a:rPr lang="en-GB" sz="2000" kern="1200" dirty="0"/>
             <a:t>Your Upwork profile skills and title need to match your bid</a:t>
           </a:r>
-          <a:endParaRPr lang="fr-FR" sz="2700" kern="1200" dirty="0"/>
+          <a:endParaRPr lang="fr-FR" sz="2000" kern="1200" dirty="0"/>
         </a:p>
       </dsp:txBody>
       <dsp:txXfrm>
-        <a:off x="31613" y="84105"/>
-        <a:ext cx="9995173" cy="584369"/>
+        <a:off x="23417" y="46546"/>
+        <a:ext cx="10011565" cy="432866"/>
       </dsp:txXfrm>
     </dsp:sp>
     <dsp:sp modelId="{5A366BCC-1A09-4AA5-9CEC-CA867D80E834}">
@@ -23302,8 +23182,8 @@
       </dsp:nvSpPr>
       <dsp:spPr>
         <a:xfrm>
-          <a:off x="0" y="700087"/>
-          <a:ext cx="10058399" cy="447120"/>
+          <a:off x="0" y="502830"/>
+          <a:ext cx="10058399" cy="331200"/>
         </a:xfrm>
         <a:prstGeom prst="rect">
           <a:avLst/>
@@ -23327,12 +23207,12 @@
         <a:fontRef idx="minor"/>
       </dsp:style>
       <dsp:txBody>
-        <a:bodyPr spcFirstLastPara="0" vert="horz" wrap="square" lIns="319354" tIns="34290" rIns="192024" bIns="34290" numCol="1" spcCol="1270" anchor="t" anchorCtr="0">
+        <a:bodyPr spcFirstLastPara="0" vert="horz" wrap="square" lIns="319354" tIns="25400" rIns="142240" bIns="25400" numCol="1" spcCol="1270" anchor="t" anchorCtr="0">
           <a:noAutofit/>
         </a:bodyPr>
         <a:lstStyle/>
         <a:p>
-          <a:pPr marL="228600" lvl="1" indent="-228600" algn="l" defTabSz="933450">
+          <a:pPr marL="171450" lvl="1" indent="-171450" algn="l" defTabSz="711200">
             <a:lnSpc>
               <a:spcPct val="90000"/>
             </a:lnSpc>
@@ -23345,15 +23225,15 @@
             <a:buChar char="•"/>
           </a:pPr>
           <a:r>
-            <a:rPr lang="en-GB" sz="2100" kern="1200" dirty="0"/>
+            <a:rPr lang="en-GB" sz="1600" kern="1200" dirty="0"/>
             <a:t>so keep updating your profile with every bid </a:t>
           </a:r>
-          <a:endParaRPr lang="fr-FR" sz="2100" kern="1200" dirty="0"/>
+          <a:endParaRPr lang="fr-FR" sz="1600" kern="1200" dirty="0"/>
         </a:p>
       </dsp:txBody>
       <dsp:txXfrm>
-        <a:off x="0" y="700087"/>
-        <a:ext cx="10058399" cy="447120"/>
+        <a:off x="0" y="502830"/>
+        <a:ext cx="10058399" cy="331200"/>
       </dsp:txXfrm>
     </dsp:sp>
     <dsp:sp modelId="{8DAB8565-8E6D-4A5B-9379-7729D0A5812E}">
@@ -23363,8 +23243,8 @@
       </dsp:nvSpPr>
       <dsp:spPr>
         <a:xfrm>
-          <a:off x="0" y="1147207"/>
-          <a:ext cx="10058399" cy="647595"/>
+          <a:off x="0" y="834030"/>
+          <a:ext cx="10058399" cy="479700"/>
         </a:xfrm>
         <a:prstGeom prst="roundRect">
           <a:avLst/>
@@ -23405,12 +23285,12 @@
         </a:fontRef>
       </dsp:style>
       <dsp:txBody>
-        <a:bodyPr spcFirstLastPara="0" vert="horz" wrap="square" lIns="102870" tIns="102870" rIns="102870" bIns="102870" numCol="1" spcCol="1270" anchor="ctr" anchorCtr="0">
+        <a:bodyPr spcFirstLastPara="0" vert="horz" wrap="square" lIns="76200" tIns="76200" rIns="76200" bIns="76200" numCol="1" spcCol="1270" anchor="ctr" anchorCtr="0">
           <a:noAutofit/>
         </a:bodyPr>
         <a:lstStyle/>
         <a:p>
-          <a:pPr marL="0" lvl="0" indent="0" algn="l" defTabSz="1200150">
+          <a:pPr marL="0" lvl="0" indent="0" algn="l" defTabSz="889000">
             <a:lnSpc>
               <a:spcPct val="90000"/>
             </a:lnSpc>
@@ -23423,15 +23303,15 @@
             <a:buNone/>
           </a:pPr>
           <a:r>
-            <a:rPr lang="en-GB" sz="2700" kern="1200" dirty="0"/>
+            <a:rPr lang="en-GB" sz="2000" kern="1200" dirty="0"/>
             <a:t>Set Profile visibility as Public</a:t>
           </a:r>
-          <a:endParaRPr lang="fr-FR" sz="2700" kern="1200" dirty="0"/>
+          <a:endParaRPr lang="fr-FR" sz="2000" kern="1200" dirty="0"/>
         </a:p>
       </dsp:txBody>
       <dsp:txXfrm>
-        <a:off x="31613" y="1178820"/>
-        <a:ext cx="9995173" cy="584369"/>
+        <a:off x="23417" y="857447"/>
+        <a:ext cx="10011565" cy="432866"/>
       </dsp:txXfrm>
     </dsp:sp>
     <dsp:sp modelId="{554DF69B-60AF-44C3-A0C6-DC70B57CF0EF}">
@@ -23441,8 +23321,8 @@
       </dsp:nvSpPr>
       <dsp:spPr>
         <a:xfrm>
-          <a:off x="0" y="1872562"/>
-          <a:ext cx="10058399" cy="647595"/>
+          <a:off x="0" y="1371330"/>
+          <a:ext cx="10058399" cy="479700"/>
         </a:xfrm>
         <a:prstGeom prst="roundRect">
           <a:avLst/>
@@ -23483,12 +23363,12 @@
         </a:fontRef>
       </dsp:style>
       <dsp:txBody>
-        <a:bodyPr spcFirstLastPara="0" vert="horz" wrap="square" lIns="102870" tIns="102870" rIns="102870" bIns="102870" numCol="1" spcCol="1270" anchor="ctr" anchorCtr="0">
+        <a:bodyPr spcFirstLastPara="0" vert="horz" wrap="square" lIns="76200" tIns="76200" rIns="76200" bIns="76200" numCol="1" spcCol="1270" anchor="ctr" anchorCtr="0">
           <a:noAutofit/>
         </a:bodyPr>
         <a:lstStyle/>
         <a:p>
-          <a:pPr marL="0" lvl="0" indent="0" algn="l" defTabSz="1200150">
+          <a:pPr marL="0" lvl="0" indent="0" algn="l" defTabSz="889000">
             <a:lnSpc>
               <a:spcPct val="90000"/>
             </a:lnSpc>
@@ -23501,15 +23381,15 @@
             <a:buNone/>
           </a:pPr>
           <a:r>
-            <a:rPr lang="en-GB" sz="2700" kern="1200" dirty="0"/>
+            <a:rPr lang="en-GB" sz="2000" kern="1200" dirty="0"/>
             <a:t>Turn on availability on minimum connects/week</a:t>
           </a:r>
-          <a:endParaRPr lang="fr-FR" sz="2700" kern="1200" dirty="0"/>
+          <a:endParaRPr lang="fr-FR" sz="2000" kern="1200" dirty="0"/>
         </a:p>
       </dsp:txBody>
       <dsp:txXfrm>
-        <a:off x="31613" y="1904175"/>
-        <a:ext cx="9995173" cy="584369"/>
+        <a:off x="23417" y="1394747"/>
+        <a:ext cx="10011565" cy="432866"/>
       </dsp:txXfrm>
     </dsp:sp>
     <dsp:sp modelId="{221B786C-59EC-4569-9511-7A4C9AE7E17C}">
@@ -23519,8 +23399,8 @@
       </dsp:nvSpPr>
       <dsp:spPr>
         <a:xfrm>
-          <a:off x="0" y="2597917"/>
-          <a:ext cx="10058399" cy="647595"/>
+          <a:off x="0" y="1908630"/>
+          <a:ext cx="10058399" cy="479700"/>
         </a:xfrm>
         <a:prstGeom prst="roundRect">
           <a:avLst/>
@@ -23561,12 +23441,12 @@
         </a:fontRef>
       </dsp:style>
       <dsp:txBody>
-        <a:bodyPr spcFirstLastPara="0" vert="horz" wrap="square" lIns="102870" tIns="102870" rIns="102870" bIns="102870" numCol="1" spcCol="1270" anchor="ctr" anchorCtr="0">
+        <a:bodyPr spcFirstLastPara="0" vert="horz" wrap="square" lIns="76200" tIns="76200" rIns="76200" bIns="76200" numCol="1" spcCol="1270" anchor="ctr" anchorCtr="0">
           <a:noAutofit/>
         </a:bodyPr>
         <a:lstStyle/>
         <a:p>
-          <a:pPr marL="0" lvl="0" indent="0" algn="l" defTabSz="1200150">
+          <a:pPr marL="0" lvl="0" indent="0" algn="l" defTabSz="889000">
             <a:lnSpc>
               <a:spcPct val="90000"/>
             </a:lnSpc>
@@ -23579,15 +23459,15 @@
             <a:buNone/>
           </a:pPr>
           <a:r>
-            <a:rPr lang="en-GB" sz="2700" kern="1200" dirty="0"/>
+            <a:rPr lang="en-GB" sz="2000" kern="1200" dirty="0"/>
             <a:t>Add a profile video based on your CV</a:t>
           </a:r>
-          <a:endParaRPr lang="fr-FR" sz="2700" kern="1200" dirty="0"/>
+          <a:endParaRPr lang="fr-FR" sz="2000" kern="1200" dirty="0"/>
         </a:p>
       </dsp:txBody>
       <dsp:txXfrm>
-        <a:off x="31613" y="2629530"/>
-        <a:ext cx="9995173" cy="584369"/>
+        <a:off x="23417" y="1932047"/>
+        <a:ext cx="10011565" cy="432866"/>
       </dsp:txXfrm>
     </dsp:sp>
     <dsp:sp modelId="{A7BD2DFC-DC29-4E9F-82A8-69D1B55150C9}">
@@ -23597,8 +23477,8 @@
       </dsp:nvSpPr>
       <dsp:spPr>
         <a:xfrm>
-          <a:off x="0" y="3323272"/>
-          <a:ext cx="10058399" cy="647595"/>
+          <a:off x="0" y="2445930"/>
+          <a:ext cx="10058399" cy="479700"/>
         </a:xfrm>
         <a:prstGeom prst="roundRect">
           <a:avLst/>
@@ -23639,12 +23519,12 @@
         </a:fontRef>
       </dsp:style>
       <dsp:txBody>
-        <a:bodyPr spcFirstLastPara="0" vert="horz" wrap="square" lIns="102870" tIns="102870" rIns="102870" bIns="102870" numCol="1" spcCol="1270" anchor="ctr" anchorCtr="0">
+        <a:bodyPr spcFirstLastPara="0" vert="horz" wrap="square" lIns="76200" tIns="76200" rIns="76200" bIns="76200" numCol="1" spcCol="1270" anchor="ctr" anchorCtr="0">
           <a:noAutofit/>
         </a:bodyPr>
         <a:lstStyle/>
         <a:p>
-          <a:pPr marL="0" lvl="0" indent="0" algn="l" defTabSz="1200150">
+          <a:pPr marL="0" lvl="0" indent="0" algn="l" defTabSz="889000">
             <a:lnSpc>
               <a:spcPct val="90000"/>
             </a:lnSpc>
@@ -23657,15 +23537,171 @@
             <a:buNone/>
           </a:pPr>
           <a:r>
-            <a:rPr lang="en-GB" sz="2700" kern="1200" dirty="0"/>
+            <a:rPr lang="en-GB" sz="2000" kern="1200" dirty="0"/>
             <a:t>Be ID verified</a:t>
           </a:r>
-          <a:endParaRPr lang="fr-FR" sz="2700" kern="1200" dirty="0"/>
+          <a:endParaRPr lang="fr-FR" sz="2000" kern="1200" dirty="0"/>
         </a:p>
       </dsp:txBody>
       <dsp:txXfrm>
-        <a:off x="31613" y="3354885"/>
-        <a:ext cx="9995173" cy="584369"/>
+        <a:off x="23417" y="2469347"/>
+        <a:ext cx="10011565" cy="432866"/>
+      </dsp:txXfrm>
+    </dsp:sp>
+    <dsp:sp modelId="{D67B576A-077C-41C6-8741-D8D530783B1B}">
+      <dsp:nvSpPr>
+        <dsp:cNvPr id="0" name=""/>
+        <dsp:cNvSpPr/>
+      </dsp:nvSpPr>
+      <dsp:spPr>
+        <a:xfrm>
+          <a:off x="0" y="2983230"/>
+          <a:ext cx="10058399" cy="479700"/>
+        </a:xfrm>
+        <a:prstGeom prst="roundRect">
+          <a:avLst/>
+        </a:prstGeom>
+        <a:solidFill>
+          <a:schemeClr val="accent1">
+            <a:hueOff val="0"/>
+            <a:satOff val="0"/>
+            <a:lumOff val="0"/>
+            <a:alphaOff val="0"/>
+          </a:schemeClr>
+        </a:solidFill>
+        <a:ln w="15875" cap="flat" cmpd="sng" algn="ctr">
+          <a:solidFill>
+            <a:schemeClr val="lt1">
+              <a:hueOff val="0"/>
+              <a:satOff val="0"/>
+              <a:lumOff val="0"/>
+              <a:alphaOff val="0"/>
+            </a:schemeClr>
+          </a:solidFill>
+          <a:prstDash val="solid"/>
+        </a:ln>
+        <a:effectLst/>
+      </dsp:spPr>
+      <dsp:style>
+        <a:lnRef idx="2">
+          <a:scrgbClr r="0" g="0" b="0"/>
+        </a:lnRef>
+        <a:fillRef idx="1">
+          <a:scrgbClr r="0" g="0" b="0"/>
+        </a:fillRef>
+        <a:effectRef idx="0">
+          <a:scrgbClr r="0" g="0" b="0"/>
+        </a:effectRef>
+        <a:fontRef idx="minor">
+          <a:schemeClr val="lt1"/>
+        </a:fontRef>
+      </dsp:style>
+      <dsp:txBody>
+        <a:bodyPr spcFirstLastPara="0" vert="horz" wrap="square" lIns="76200" tIns="76200" rIns="76200" bIns="76200" numCol="1" spcCol="1270" anchor="ctr" anchorCtr="0">
+          <a:noAutofit/>
+        </a:bodyPr>
+        <a:lstStyle/>
+        <a:p>
+          <a:pPr marL="0" lvl="0" indent="0" algn="l" defTabSz="889000">
+            <a:lnSpc>
+              <a:spcPct val="90000"/>
+            </a:lnSpc>
+            <a:spcBef>
+              <a:spcPct val="0"/>
+            </a:spcBef>
+            <a:spcAft>
+              <a:spcPct val="35000"/>
+            </a:spcAft>
+            <a:buNone/>
+          </a:pPr>
+          <a:r>
+            <a:rPr lang="en-GB" sz="2000" kern="1200" dirty="0"/>
+            <a:t>Reply client’s queries in less than 24h on Upwork</a:t>
+          </a:r>
+          <a:endParaRPr lang="fr-FR" sz="2000" kern="1200" dirty="0"/>
+        </a:p>
+      </dsp:txBody>
+      <dsp:txXfrm>
+        <a:off x="23417" y="3006647"/>
+        <a:ext cx="10011565" cy="432866"/>
+      </dsp:txXfrm>
+    </dsp:sp>
+    <dsp:sp modelId="{F7CB28FE-A201-4E30-90CF-0223A9FF9F7D}">
+      <dsp:nvSpPr>
+        <dsp:cNvPr id="0" name=""/>
+        <dsp:cNvSpPr/>
+      </dsp:nvSpPr>
+      <dsp:spPr>
+        <a:xfrm>
+          <a:off x="0" y="3520530"/>
+          <a:ext cx="10058399" cy="479700"/>
+        </a:xfrm>
+        <a:prstGeom prst="roundRect">
+          <a:avLst/>
+        </a:prstGeom>
+        <a:solidFill>
+          <a:schemeClr val="accent1">
+            <a:hueOff val="0"/>
+            <a:satOff val="0"/>
+            <a:lumOff val="0"/>
+            <a:alphaOff val="0"/>
+          </a:schemeClr>
+        </a:solidFill>
+        <a:ln w="15875" cap="flat" cmpd="sng" algn="ctr">
+          <a:solidFill>
+            <a:schemeClr val="lt1">
+              <a:hueOff val="0"/>
+              <a:satOff val="0"/>
+              <a:lumOff val="0"/>
+              <a:alphaOff val="0"/>
+            </a:schemeClr>
+          </a:solidFill>
+          <a:prstDash val="solid"/>
+        </a:ln>
+        <a:effectLst/>
+      </dsp:spPr>
+      <dsp:style>
+        <a:lnRef idx="2">
+          <a:scrgbClr r="0" g="0" b="0"/>
+        </a:lnRef>
+        <a:fillRef idx="1">
+          <a:scrgbClr r="0" g="0" b="0"/>
+        </a:fillRef>
+        <a:effectRef idx="0">
+          <a:scrgbClr r="0" g="0" b="0"/>
+        </a:effectRef>
+        <a:fontRef idx="minor">
+          <a:schemeClr val="lt1"/>
+        </a:fontRef>
+      </dsp:style>
+      <dsp:txBody>
+        <a:bodyPr spcFirstLastPara="0" vert="horz" wrap="square" lIns="76200" tIns="76200" rIns="76200" bIns="76200" numCol="1" spcCol="1270" anchor="ctr" anchorCtr="0">
+          <a:noAutofit/>
+        </a:bodyPr>
+        <a:lstStyle/>
+        <a:p>
+          <a:pPr marL="0" lvl="0" indent="0" algn="l" defTabSz="889000">
+            <a:lnSpc>
+              <a:spcPct val="90000"/>
+            </a:lnSpc>
+            <a:spcBef>
+              <a:spcPct val="0"/>
+            </a:spcBef>
+            <a:spcAft>
+              <a:spcPct val="35000"/>
+            </a:spcAft>
+            <a:buNone/>
+          </a:pPr>
+          <a:r>
+            <a:rPr lang="en-GB" sz="2000" kern="1200" dirty="0"/>
+            <a:t>Offer additional services to your client after a project with them</a:t>
+          </a:r>
+          <a:endParaRPr lang="fr-FR" sz="2000" kern="1200" dirty="0"/>
+        </a:p>
+      </dsp:txBody>
+      <dsp:txXfrm>
+        <a:off x="23417" y="3543947"/>
+        <a:ext cx="10011565" cy="432866"/>
       </dsp:txXfrm>
     </dsp:sp>
   </dsp:spTree>
@@ -23748,15 +23784,7 @@
           </a:pPr>
           <a:r>
             <a:rPr lang="en-GB" sz="4000" kern="1200" dirty="0"/>
-            <a:t>Add non-</a:t>
-          </a:r>
-          <a:r>
-            <a:rPr lang="en-GB" sz="4000" kern="1200" dirty="0" err="1"/>
-            <a:t>upwork</a:t>
-          </a:r>
-          <a:r>
-            <a:rPr lang="en-GB" sz="4000" kern="1200" dirty="0"/>
-            <a:t> testimonials on Upwork, </a:t>
+            <a:t>Add non-Upwork testimonials on Upwork, </a:t>
           </a:r>
           <a:endParaRPr lang="fr-FR" sz="4000" kern="1200" dirty="0"/>
         </a:p>
@@ -46374,7 +46402,7 @@
             <p:ph idx="1"/>
             <p:extLst>
               <p:ext uri="{D42A27DB-BD31-4B8C-83A1-F6EECF244321}">
-                <p14:modId xmlns:p14="http://schemas.microsoft.com/office/powerpoint/2010/main" val="1462065"/>
+                <p14:modId xmlns:p14="http://schemas.microsoft.com/office/powerpoint/2010/main" val="3099673898"/>
               </p:ext>
             </p:extLst>
           </p:nvPr>
@@ -46509,7 +46537,7 @@
             <p:ph idx="1"/>
             <p:extLst>
               <p:ext uri="{D42A27DB-BD31-4B8C-83A1-F6EECF244321}">
-                <p14:modId xmlns:p14="http://schemas.microsoft.com/office/powerpoint/2010/main" val="446759428"/>
+                <p14:modId xmlns:p14="http://schemas.microsoft.com/office/powerpoint/2010/main" val="4292887280"/>
               </p:ext>
             </p:extLst>
           </p:nvPr>
@@ -51857,7 +51885,7 @@
             <p:ph idx="1"/>
             <p:extLst>
               <p:ext uri="{D42A27DB-BD31-4B8C-83A1-F6EECF244321}">
-                <p14:modId xmlns:p14="http://schemas.microsoft.com/office/powerpoint/2010/main" val="3929467833"/>
+                <p14:modId xmlns:p14="http://schemas.microsoft.com/office/powerpoint/2010/main" val="3760908954"/>
               </p:ext>
             </p:extLst>
           </p:nvPr>
@@ -52757,7 +52785,7 @@
             <p:ph idx="1"/>
             <p:extLst>
               <p:ext uri="{D42A27DB-BD31-4B8C-83A1-F6EECF244321}">
-                <p14:modId xmlns:p14="http://schemas.microsoft.com/office/powerpoint/2010/main" val="92932132"/>
+                <p14:modId xmlns:p14="http://schemas.microsoft.com/office/powerpoint/2010/main" val="498108356"/>
               </p:ext>
             </p:extLst>
           </p:nvPr>
